--- a/doc/Java实现秒杀抢购.pptx
+++ b/doc/Java实现秒杀抢购.pptx
@@ -5,22 +5,22 @@
     <p:sldMasterId id="2147483648" r:id="rId1"/>
   </p:sldMasterIdLst>
   <p:sldIdLst>
-    <p:sldId id="256" r:id="rId2"/>
-    <p:sldId id="259" r:id="rId3"/>
-    <p:sldId id="262" r:id="rId4"/>
-    <p:sldId id="263" r:id="rId5"/>
-    <p:sldId id="271" r:id="rId6"/>
-    <p:sldId id="273" r:id="rId7"/>
-    <p:sldId id="275" r:id="rId8"/>
-    <p:sldId id="274" r:id="rId9"/>
-    <p:sldId id="272" r:id="rId10"/>
-    <p:sldId id="270" r:id="rId11"/>
-    <p:sldId id="265" r:id="rId12"/>
-    <p:sldId id="266" r:id="rId13"/>
-    <p:sldId id="268" r:id="rId14"/>
+    <p:sldId id="256" r:id="rId3"/>
+    <p:sldId id="259" r:id="rId4"/>
+    <p:sldId id="262" r:id="rId5"/>
+    <p:sldId id="263" r:id="rId6"/>
+    <p:sldId id="271" r:id="rId7"/>
+    <p:sldId id="273" r:id="rId8"/>
+    <p:sldId id="275" r:id="rId9"/>
+    <p:sldId id="274" r:id="rId10"/>
+    <p:sldId id="272" r:id="rId11"/>
+    <p:sldId id="270" r:id="rId12"/>
+    <p:sldId id="265" r:id="rId13"/>
+    <p:sldId id="266" r:id="rId14"/>
+    <p:sldId id="268" r:id="rId15"/>
   </p:sldIdLst>
   <p:sldSz cx="12192000" cy="6858000"/>
-  <p:notesSz cx="7104063" cy="10234613"/>
+  <p:notesSz cx="7103745" cy="10234295"/>
   <p:defaultTextStyle>
     <a:defPPr>
       <a:defRPr lang="zh-CN"/>
@@ -116,11 +116,6 @@
       </a:defRPr>
     </a:lvl9pPr>
   </p:defaultTextStyle>
-  <p:extLst>
-    <p:ext uri="{EFAFB233-063F-42B5-8137-9DF3F51BA10A}">
-      <p15:sldGuideLst xmlns:p15="http://schemas.microsoft.com/office/powerpoint/2012/main"/>
-    </p:ext>
-  </p:extLst>
 </p:presentation>
 </file>
 
@@ -255,7 +250,6 @@
           <a:p>
             <a:fld id="{82F288E0-7875-42C4-84C8-98DBBD3BF4D2}" type="datetimeFigureOut">
               <a:rPr lang="zh-CN" altLang="en-US" smtClean="0"/>
-              <a:t>2019/4/16</a:t>
             </a:fld>
             <a:endParaRPr lang="zh-CN" altLang="en-US"/>
           </a:p>
@@ -297,7 +291,6 @@
           <a:p>
             <a:fld id="{7D9BB5D0-35E4-459D-AEF3-FE4D7C45CC19}" type="slidenum">
               <a:rPr lang="zh-CN" altLang="en-US" smtClean="0"/>
-              <a:t>‹#›</a:t>
             </a:fld>
             <a:endParaRPr lang="zh-CN" altLang="en-US"/>
           </a:p>
@@ -353,6 +346,7 @@
               <a:rPr lang="zh-CN" altLang="en-US" smtClean="0"/>
               <a:t>单击此处编辑母版文本样式</a:t>
             </a:r>
+            <a:endParaRPr lang="zh-CN" altLang="en-US" smtClean="0"/>
           </a:p>
           <a:p>
             <a:pPr lvl="1"/>
@@ -360,6 +354,7 @@
               <a:rPr lang="zh-CN" altLang="en-US" smtClean="0"/>
               <a:t>第二级</a:t>
             </a:r>
+            <a:endParaRPr lang="zh-CN" altLang="en-US" smtClean="0"/>
           </a:p>
           <a:p>
             <a:pPr lvl="2"/>
@@ -367,6 +362,7 @@
               <a:rPr lang="zh-CN" altLang="en-US" smtClean="0"/>
               <a:t>第三级</a:t>
             </a:r>
+            <a:endParaRPr lang="zh-CN" altLang="en-US" smtClean="0"/>
           </a:p>
           <a:p>
             <a:pPr lvl="3"/>
@@ -374,6 +370,7 @@
               <a:rPr lang="zh-CN" altLang="en-US" smtClean="0"/>
               <a:t>第四级</a:t>
             </a:r>
+            <a:endParaRPr lang="zh-CN" altLang="en-US" smtClean="0"/>
           </a:p>
           <a:p>
             <a:pPr lvl="4"/>
@@ -402,7 +399,6 @@
           <a:p>
             <a:fld id="{82F288E0-7875-42C4-84C8-98DBBD3BF4D2}" type="datetimeFigureOut">
               <a:rPr lang="zh-CN" altLang="en-US" smtClean="0"/>
-              <a:t>2019/4/16</a:t>
             </a:fld>
             <a:endParaRPr lang="zh-CN" altLang="en-US"/>
           </a:p>
@@ -444,7 +440,6 @@
           <a:p>
             <a:fld id="{7D9BB5D0-35E4-459D-AEF3-FE4D7C45CC19}" type="slidenum">
               <a:rPr lang="zh-CN" altLang="en-US" smtClean="0"/>
-              <a:t>‹#›</a:t>
             </a:fld>
             <a:endParaRPr lang="zh-CN" altLang="en-US"/>
           </a:p>
@@ -518,6 +513,7 @@
               <a:rPr lang="zh-CN" altLang="en-US" smtClean="0"/>
               <a:t>单击此处编辑母版文本样式</a:t>
             </a:r>
+            <a:endParaRPr lang="zh-CN" altLang="en-US" smtClean="0"/>
           </a:p>
           <a:p>
             <a:pPr lvl="1"/>
@@ -525,6 +521,7 @@
               <a:rPr lang="zh-CN" altLang="en-US" smtClean="0"/>
               <a:t>第二级</a:t>
             </a:r>
+            <a:endParaRPr lang="zh-CN" altLang="en-US" smtClean="0"/>
           </a:p>
           <a:p>
             <a:pPr lvl="2"/>
@@ -532,6 +529,7 @@
               <a:rPr lang="zh-CN" altLang="en-US" smtClean="0"/>
               <a:t>第三级</a:t>
             </a:r>
+            <a:endParaRPr lang="zh-CN" altLang="en-US" smtClean="0"/>
           </a:p>
           <a:p>
             <a:pPr lvl="3"/>
@@ -539,6 +537,7 @@
               <a:rPr lang="zh-CN" altLang="en-US" smtClean="0"/>
               <a:t>第四级</a:t>
             </a:r>
+            <a:endParaRPr lang="zh-CN" altLang="en-US" smtClean="0"/>
           </a:p>
           <a:p>
             <a:pPr lvl="4"/>
@@ -567,7 +566,6 @@
           <a:p>
             <a:fld id="{82F288E0-7875-42C4-84C8-98DBBD3BF4D2}" type="datetimeFigureOut">
               <a:rPr lang="zh-CN" altLang="en-US" smtClean="0"/>
-              <a:t>2019/4/16</a:t>
             </a:fld>
             <a:endParaRPr lang="zh-CN" altLang="en-US"/>
           </a:p>
@@ -609,7 +607,6 @@
           <a:p>
             <a:fld id="{7D9BB5D0-35E4-459D-AEF3-FE4D7C45CC19}" type="slidenum">
               <a:rPr lang="zh-CN" altLang="en-US" smtClean="0"/>
-              <a:t>‹#›</a:t>
             </a:fld>
             <a:endParaRPr lang="zh-CN" altLang="en-US"/>
           </a:p>
@@ -788,6 +785,7 @@
               <a:rPr lang="zh-CN" altLang="en-US" smtClean="0"/>
               <a:t>单击此处编辑母版文本样式</a:t>
             </a:r>
+            <a:endParaRPr lang="zh-CN" altLang="en-US" smtClean="0"/>
           </a:p>
         </p:txBody>
       </p:sp>
@@ -808,7 +806,6 @@
           <a:p>
             <a:fld id="{82F288E0-7875-42C4-84C8-98DBBD3BF4D2}" type="datetimeFigureOut">
               <a:rPr lang="zh-CN" altLang="en-US" smtClean="0"/>
-              <a:t>2019/4/16</a:t>
             </a:fld>
             <a:endParaRPr lang="zh-CN" altLang="en-US"/>
           </a:p>
@@ -850,7 +847,6 @@
           <a:p>
             <a:fld id="{7D9BB5D0-35E4-459D-AEF3-FE4D7C45CC19}" type="slidenum">
               <a:rPr lang="zh-CN" altLang="en-US" smtClean="0"/>
-              <a:t>‹#›</a:t>
             </a:fld>
             <a:endParaRPr lang="zh-CN" altLang="en-US"/>
           </a:p>
@@ -929,6 +925,7 @@
               <a:rPr lang="zh-CN" altLang="en-US" smtClean="0"/>
               <a:t>单击此处编辑母版文本样式</a:t>
             </a:r>
+            <a:endParaRPr lang="zh-CN" altLang="en-US" smtClean="0"/>
           </a:p>
           <a:p>
             <a:pPr lvl="1"/>
@@ -936,6 +933,7 @@
               <a:rPr lang="zh-CN" altLang="en-US" smtClean="0"/>
               <a:t>第二级</a:t>
             </a:r>
+            <a:endParaRPr lang="zh-CN" altLang="en-US" smtClean="0"/>
           </a:p>
           <a:p>
             <a:pPr lvl="2"/>
@@ -943,6 +941,7 @@
               <a:rPr lang="zh-CN" altLang="en-US" smtClean="0"/>
               <a:t>第三级</a:t>
             </a:r>
+            <a:endParaRPr lang="zh-CN" altLang="en-US" smtClean="0"/>
           </a:p>
           <a:p>
             <a:pPr lvl="3"/>
@@ -950,6 +949,7 @@
               <a:rPr lang="zh-CN" altLang="en-US" smtClean="0"/>
               <a:t>第四级</a:t>
             </a:r>
+            <a:endParaRPr lang="zh-CN" altLang="en-US" smtClean="0"/>
           </a:p>
           <a:p>
             <a:pPr lvl="4"/>
@@ -986,6 +986,7 @@
               <a:rPr lang="zh-CN" altLang="en-US" smtClean="0"/>
               <a:t>单击此处编辑母版文本样式</a:t>
             </a:r>
+            <a:endParaRPr lang="zh-CN" altLang="en-US" smtClean="0"/>
           </a:p>
           <a:p>
             <a:pPr lvl="1"/>
@@ -993,6 +994,7 @@
               <a:rPr lang="zh-CN" altLang="en-US" smtClean="0"/>
               <a:t>第二级</a:t>
             </a:r>
+            <a:endParaRPr lang="zh-CN" altLang="en-US" smtClean="0"/>
           </a:p>
           <a:p>
             <a:pPr lvl="2"/>
@@ -1000,6 +1002,7 @@
               <a:rPr lang="zh-CN" altLang="en-US" smtClean="0"/>
               <a:t>第三级</a:t>
             </a:r>
+            <a:endParaRPr lang="zh-CN" altLang="en-US" smtClean="0"/>
           </a:p>
           <a:p>
             <a:pPr lvl="3"/>
@@ -1007,6 +1010,7 @@
               <a:rPr lang="zh-CN" altLang="en-US" smtClean="0"/>
               <a:t>第四级</a:t>
             </a:r>
+            <a:endParaRPr lang="zh-CN" altLang="en-US" smtClean="0"/>
           </a:p>
           <a:p>
             <a:pPr lvl="4"/>
@@ -1035,7 +1039,6 @@
           <a:p>
             <a:fld id="{82F288E0-7875-42C4-84C8-98DBBD3BF4D2}" type="datetimeFigureOut">
               <a:rPr lang="zh-CN" altLang="en-US" smtClean="0"/>
-              <a:t>2019/4/16</a:t>
             </a:fld>
             <a:endParaRPr lang="zh-CN" altLang="en-US"/>
           </a:p>
@@ -1077,7 +1080,6 @@
           <a:p>
             <a:fld id="{7D9BB5D0-35E4-459D-AEF3-FE4D7C45CC19}" type="slidenum">
               <a:rPr lang="zh-CN" altLang="en-US" smtClean="0"/>
-              <a:t>‹#›</a:t>
             </a:fld>
             <a:endParaRPr lang="zh-CN" altLang="en-US"/>
           </a:p>
@@ -1198,6 +1200,7 @@
               <a:rPr lang="zh-CN" altLang="en-US" smtClean="0"/>
               <a:t>单击此处编辑母版文本样式</a:t>
             </a:r>
+            <a:endParaRPr lang="zh-CN" altLang="en-US" smtClean="0"/>
           </a:p>
         </p:txBody>
       </p:sp>
@@ -1226,6 +1229,7 @@
               <a:rPr lang="zh-CN" altLang="en-US" smtClean="0"/>
               <a:t>单击此处编辑母版文本样式</a:t>
             </a:r>
+            <a:endParaRPr lang="zh-CN" altLang="en-US" smtClean="0"/>
           </a:p>
           <a:p>
             <a:pPr lvl="1"/>
@@ -1233,6 +1237,7 @@
               <a:rPr lang="zh-CN" altLang="en-US" smtClean="0"/>
               <a:t>第二级</a:t>
             </a:r>
+            <a:endParaRPr lang="zh-CN" altLang="en-US" smtClean="0"/>
           </a:p>
           <a:p>
             <a:pPr lvl="2"/>
@@ -1240,6 +1245,7 @@
               <a:rPr lang="zh-CN" altLang="en-US" smtClean="0"/>
               <a:t>第三级</a:t>
             </a:r>
+            <a:endParaRPr lang="zh-CN" altLang="en-US" smtClean="0"/>
           </a:p>
           <a:p>
             <a:pPr lvl="3"/>
@@ -1247,6 +1253,7 @@
               <a:rPr lang="zh-CN" altLang="en-US" smtClean="0"/>
               <a:t>第四级</a:t>
             </a:r>
+            <a:endParaRPr lang="zh-CN" altLang="en-US" smtClean="0"/>
           </a:p>
           <a:p>
             <a:pPr lvl="4"/>
@@ -1320,6 +1327,7 @@
               <a:rPr lang="zh-CN" altLang="en-US" smtClean="0"/>
               <a:t>单击此处编辑母版文本样式</a:t>
             </a:r>
+            <a:endParaRPr lang="zh-CN" altLang="en-US" smtClean="0"/>
           </a:p>
         </p:txBody>
       </p:sp>
@@ -1348,6 +1356,7 @@
               <a:rPr lang="zh-CN" altLang="en-US" smtClean="0"/>
               <a:t>单击此处编辑母版文本样式</a:t>
             </a:r>
+            <a:endParaRPr lang="zh-CN" altLang="en-US" smtClean="0"/>
           </a:p>
           <a:p>
             <a:pPr lvl="1"/>
@@ -1355,6 +1364,7 @@
               <a:rPr lang="zh-CN" altLang="en-US" smtClean="0"/>
               <a:t>第二级</a:t>
             </a:r>
+            <a:endParaRPr lang="zh-CN" altLang="en-US" smtClean="0"/>
           </a:p>
           <a:p>
             <a:pPr lvl="2"/>
@@ -1362,6 +1372,7 @@
               <a:rPr lang="zh-CN" altLang="en-US" smtClean="0"/>
               <a:t>第三级</a:t>
             </a:r>
+            <a:endParaRPr lang="zh-CN" altLang="en-US" smtClean="0"/>
           </a:p>
           <a:p>
             <a:pPr lvl="3"/>
@@ -1369,6 +1380,7 @@
               <a:rPr lang="zh-CN" altLang="en-US" smtClean="0"/>
               <a:t>第四级</a:t>
             </a:r>
+            <a:endParaRPr lang="zh-CN" altLang="en-US" smtClean="0"/>
           </a:p>
           <a:p>
             <a:pPr lvl="4"/>
@@ -1397,7 +1409,6 @@
           <a:p>
             <a:fld id="{82F288E0-7875-42C4-84C8-98DBBD3BF4D2}" type="datetimeFigureOut">
               <a:rPr lang="zh-CN" altLang="en-US" smtClean="0"/>
-              <a:t>2019/4/16</a:t>
             </a:fld>
             <a:endParaRPr lang="zh-CN" altLang="en-US"/>
           </a:p>
@@ -1439,7 +1450,6 @@
           <a:p>
             <a:fld id="{7D9BB5D0-35E4-459D-AEF3-FE4D7C45CC19}" type="slidenum">
               <a:rPr lang="zh-CN" altLang="en-US" smtClean="0"/>
-              <a:t>‹#›</a:t>
             </a:fld>
             <a:endParaRPr lang="zh-CN" altLang="en-US"/>
           </a:p>
@@ -1510,7 +1520,6 @@
           <a:p>
             <a:fld id="{82F288E0-7875-42C4-84C8-98DBBD3BF4D2}" type="datetimeFigureOut">
               <a:rPr lang="zh-CN" altLang="en-US" smtClean="0"/>
-              <a:t>2019/4/16</a:t>
             </a:fld>
             <a:endParaRPr lang="zh-CN" altLang="en-US"/>
           </a:p>
@@ -1552,7 +1561,6 @@
           <a:p>
             <a:fld id="{7D9BB5D0-35E4-459D-AEF3-FE4D7C45CC19}" type="slidenum">
               <a:rPr lang="zh-CN" altLang="en-US" smtClean="0"/>
-              <a:t>‹#›</a:t>
             </a:fld>
             <a:endParaRPr lang="zh-CN" altLang="en-US"/>
           </a:p>
@@ -1600,7 +1608,6 @@
           <a:p>
             <a:fld id="{82F288E0-7875-42C4-84C8-98DBBD3BF4D2}" type="datetimeFigureOut">
               <a:rPr lang="zh-CN" altLang="en-US" smtClean="0"/>
-              <a:t>2019/4/16</a:t>
             </a:fld>
             <a:endParaRPr lang="zh-CN" altLang="en-US"/>
           </a:p>
@@ -1642,7 +1649,6 @@
           <a:p>
             <a:fld id="{7D9BB5D0-35E4-459D-AEF3-FE4D7C45CC19}" type="slidenum">
               <a:rPr lang="zh-CN" altLang="en-US" smtClean="0"/>
-              <a:t>‹#›</a:t>
             </a:fld>
             <a:endParaRPr lang="zh-CN" altLang="en-US"/>
           </a:p>
@@ -1828,6 +1834,7 @@
               <a:rPr lang="zh-CN" altLang="en-US" smtClean="0"/>
               <a:t>单击此处编辑母版文本样式</a:t>
             </a:r>
+            <a:endParaRPr lang="zh-CN" altLang="en-US" smtClean="0"/>
           </a:p>
         </p:txBody>
       </p:sp>
@@ -1848,7 +1855,6 @@
           <a:p>
             <a:fld id="{82F288E0-7875-42C4-84C8-98DBBD3BF4D2}" type="datetimeFigureOut">
               <a:rPr lang="zh-CN" altLang="en-US" smtClean="0"/>
-              <a:t>2019/4/16</a:t>
             </a:fld>
             <a:endParaRPr lang="zh-CN" altLang="en-US"/>
           </a:p>
@@ -1890,7 +1896,6 @@
           <a:p>
             <a:fld id="{7D9BB5D0-35E4-459D-AEF3-FE4D7C45CC19}" type="slidenum">
               <a:rPr lang="zh-CN" altLang="en-US" smtClean="0"/>
-              <a:t>‹#›</a:t>
             </a:fld>
             <a:endParaRPr lang="zh-CN" altLang="en-US"/>
           </a:p>
@@ -1974,6 +1979,7 @@
               <a:rPr lang="zh-CN" altLang="en-US" smtClean="0"/>
               <a:t>单击此处编辑母版文本样式</a:t>
             </a:r>
+            <a:endParaRPr lang="zh-CN" altLang="en-US" smtClean="0"/>
           </a:p>
           <a:p>
             <a:pPr lvl="1"/>
@@ -1981,6 +1987,7 @@
               <a:rPr lang="zh-CN" altLang="en-US" smtClean="0"/>
               <a:t>第二级</a:t>
             </a:r>
+            <a:endParaRPr lang="zh-CN" altLang="en-US" smtClean="0"/>
           </a:p>
           <a:p>
             <a:pPr lvl="2"/>
@@ -1988,6 +1995,7 @@
               <a:rPr lang="zh-CN" altLang="en-US" smtClean="0"/>
               <a:t>第三级</a:t>
             </a:r>
+            <a:endParaRPr lang="zh-CN" altLang="en-US" smtClean="0"/>
           </a:p>
           <a:p>
             <a:pPr lvl="3"/>
@@ -1995,6 +2003,7 @@
               <a:rPr lang="zh-CN" altLang="en-US" smtClean="0"/>
               <a:t>第四级</a:t>
             </a:r>
+            <a:endParaRPr lang="zh-CN" altLang="en-US" smtClean="0"/>
           </a:p>
           <a:p>
             <a:pPr lvl="4"/>
@@ -2023,7 +2032,6 @@
           <a:p>
             <a:fld id="{82F288E0-7875-42C4-84C8-98DBBD3BF4D2}" type="datetimeFigureOut">
               <a:rPr lang="zh-CN" altLang="en-US" smtClean="0"/>
-              <a:t>2019/4/16</a:t>
             </a:fld>
             <a:endParaRPr lang="zh-CN" altLang="en-US"/>
           </a:p>
@@ -2065,7 +2073,6 @@
           <a:p>
             <a:fld id="{7D9BB5D0-35E4-459D-AEF3-FE4D7C45CC19}" type="slidenum">
               <a:rPr lang="zh-CN" altLang="en-US" smtClean="0"/>
-              <a:t>‹#›</a:t>
             </a:fld>
             <a:endParaRPr lang="zh-CN" altLang="en-US"/>
           </a:p>
@@ -2164,6 +2171,7 @@
               <a:rPr lang="zh-CN" altLang="en-US" smtClean="0"/>
               <a:t>单击此处编辑母版文本样式</a:t>
             </a:r>
+            <a:endParaRPr lang="zh-CN" altLang="en-US" smtClean="0"/>
           </a:p>
           <a:p>
             <a:pPr lvl="1"/>
@@ -2171,6 +2179,7 @@
               <a:rPr lang="zh-CN" altLang="en-US" smtClean="0"/>
               <a:t>第二级</a:t>
             </a:r>
+            <a:endParaRPr lang="zh-CN" altLang="en-US" smtClean="0"/>
           </a:p>
           <a:p>
             <a:pPr lvl="2"/>
@@ -2178,6 +2187,7 @@
               <a:rPr lang="zh-CN" altLang="en-US" smtClean="0"/>
               <a:t>第三级</a:t>
             </a:r>
+            <a:endParaRPr lang="zh-CN" altLang="en-US" smtClean="0"/>
           </a:p>
           <a:p>
             <a:pPr lvl="3"/>
@@ -2185,6 +2195,7 @@
               <a:rPr lang="zh-CN" altLang="en-US" smtClean="0"/>
               <a:t>第四级</a:t>
             </a:r>
+            <a:endParaRPr lang="zh-CN" altLang="en-US" smtClean="0"/>
           </a:p>
           <a:p>
             <a:pPr lvl="4"/>
@@ -2231,7 +2242,6 @@
           <a:p>
             <a:fld id="{82F288E0-7875-42C4-84C8-98DBBD3BF4D2}" type="datetimeFigureOut">
               <a:rPr lang="zh-CN" altLang="en-US" smtClean="0"/>
-              <a:t>2019/4/16</a:t>
             </a:fld>
             <a:endParaRPr lang="zh-CN" altLang="en-US"/>
           </a:p>
@@ -2309,7 +2319,6 @@
           <a:p>
             <a:fld id="{7D9BB5D0-35E4-459D-AEF3-FE4D7C45CC19}" type="slidenum">
               <a:rPr lang="zh-CN" altLang="en-US" smtClean="0"/>
-              <a:t>‹#›</a:t>
             </a:fld>
             <a:endParaRPr lang="zh-CN" altLang="en-US"/>
           </a:p>
@@ -2358,7 +2367,7 @@
         <a:spcBef>
           <a:spcPts val="1000"/>
         </a:spcBef>
-        <a:buFont typeface="Arial" panose="020B0604020202090204" pitchFamily="34" charset="0"/>
+        <a:buFont typeface="Arial" panose="020B0604020202020204" pitchFamily="34" charset="0"/>
         <a:buChar char="•"/>
         <a:defRPr sz="2800" kern="1200">
           <a:solidFill>
@@ -2376,7 +2385,7 @@
         <a:spcBef>
           <a:spcPts val="500"/>
         </a:spcBef>
-        <a:buFont typeface="Arial" panose="020B0604020202090204" pitchFamily="34" charset="0"/>
+        <a:buFont typeface="Arial" panose="020B0604020202020204" pitchFamily="34" charset="0"/>
         <a:buChar char="•"/>
         <a:defRPr sz="2400" kern="1200">
           <a:solidFill>
@@ -2394,7 +2403,7 @@
         <a:spcBef>
           <a:spcPts val="500"/>
         </a:spcBef>
-        <a:buFont typeface="Arial" panose="020B0604020202090204" pitchFamily="34" charset="0"/>
+        <a:buFont typeface="Arial" panose="020B0604020202020204" pitchFamily="34" charset="0"/>
         <a:buChar char="•"/>
         <a:defRPr sz="2000" kern="1200">
           <a:solidFill>
@@ -2412,7 +2421,7 @@
         <a:spcBef>
           <a:spcPts val="500"/>
         </a:spcBef>
-        <a:buFont typeface="Arial" panose="020B0604020202090204" pitchFamily="34" charset="0"/>
+        <a:buFont typeface="Arial" panose="020B0604020202020204" pitchFamily="34" charset="0"/>
         <a:buChar char="•"/>
         <a:defRPr sz="1800" kern="1200">
           <a:solidFill>
@@ -2430,7 +2439,7 @@
         <a:spcBef>
           <a:spcPts val="500"/>
         </a:spcBef>
-        <a:buFont typeface="Arial" panose="020B0604020202090204" pitchFamily="34" charset="0"/>
+        <a:buFont typeface="Arial" panose="020B0604020202020204" pitchFamily="34" charset="0"/>
         <a:buChar char="•"/>
         <a:defRPr sz="1800" kern="1200">
           <a:solidFill>
@@ -2448,7 +2457,7 @@
         <a:spcBef>
           <a:spcPts val="500"/>
         </a:spcBef>
-        <a:buFont typeface="Arial" panose="020B0604020202090204" pitchFamily="34" charset="0"/>
+        <a:buFont typeface="Arial" panose="020B0604020202020204" pitchFamily="34" charset="0"/>
         <a:buChar char="•"/>
         <a:defRPr sz="1800" kern="1200">
           <a:solidFill>
@@ -2466,7 +2475,7 @@
         <a:spcBef>
           <a:spcPts val="500"/>
         </a:spcBef>
-        <a:buFont typeface="Arial" panose="020B0604020202090204" pitchFamily="34" charset="0"/>
+        <a:buFont typeface="Arial" panose="020B0604020202020204" pitchFamily="34" charset="0"/>
         <a:buChar char="•"/>
         <a:defRPr sz="1800" kern="1200">
           <a:solidFill>
@@ -2484,7 +2493,7 @@
         <a:spcBef>
           <a:spcPts val="500"/>
         </a:spcBef>
-        <a:buFont typeface="Arial" panose="020B0604020202090204" pitchFamily="34" charset="0"/>
+        <a:buFont typeface="Arial" panose="020B0604020202020204" pitchFamily="34" charset="0"/>
         <a:buChar char="•"/>
         <a:defRPr sz="1800" kern="1200">
           <a:solidFill>
@@ -2502,7 +2511,7 @@
         <a:spcBef>
           <a:spcPts val="500"/>
         </a:spcBef>
-        <a:buFont typeface="Arial" panose="020B0604020202090204" pitchFamily="34" charset="0"/>
+        <a:buFont typeface="Arial" panose="020B0604020202020204" pitchFamily="34" charset="0"/>
         <a:buChar char="•"/>
         <a:defRPr sz="1800" kern="1200">
           <a:solidFill>
@@ -2677,7 +2686,7 @@
           <p:nvPr/>
         </p:nvPicPr>
         <p:blipFill>
-          <a:blip r:embed="rId2"/>
+          <a:blip r:embed="rId1"/>
           <a:stretch>
             <a:fillRect/>
           </a:stretch>
@@ -2767,11 +2776,20 @@
                     <a:alpha val="36000"/>
                   </a:schemeClr>
                 </a:solidFill>
-                <a:latin typeface="微软雅黑" panose="020B0502040204020203" charset="-122"/>
-                <a:ea typeface="微软雅黑" panose="020B0502040204020203" charset="-122"/>
+                <a:latin typeface="微软雅黑" panose="020B0503020204020204" charset="-122"/>
+                <a:ea typeface="微软雅黑" panose="020B0503020204020204" charset="-122"/>
               </a:rPr>
               <a:t>COMMODITY DESIGN OF LARGE-SCALE E-COMMERCE SYSTEM</a:t>
             </a:r>
+            <a:endParaRPr lang="en-US" altLang="zh-CN" sz="1400">
+              <a:solidFill>
+                <a:schemeClr val="bg1">
+                  <a:alpha val="36000"/>
+                </a:schemeClr>
+              </a:solidFill>
+              <a:latin typeface="微软雅黑" panose="020B0503020204020204" charset="-122"/>
+              <a:ea typeface="微软雅黑" panose="020B0503020204020204" charset="-122"/>
+            </a:endParaRPr>
           </a:p>
         </p:txBody>
       </p:sp>
@@ -2830,7 +2848,7 @@
           </p:nvPr>
         </p:nvPicPr>
         <p:blipFill>
-          <a:blip r:embed="rId2"/>
+          <a:blip r:embed="rId1"/>
           <a:stretch>
             <a:fillRect/>
           </a:stretch>
@@ -2872,8 +2890,8 @@
                 <a:solidFill>
                   <a:schemeClr val="bg1"/>
                 </a:solidFill>
-                <a:latin typeface="微软雅黑" panose="020B0502040204020203" charset="-122"/>
-                <a:ea typeface="微软雅黑" panose="020B0502040204020203" charset="-122"/>
+                <a:latin typeface="微软雅黑" panose="020B0503020204020204" charset="-122"/>
+                <a:ea typeface="微软雅黑" panose="020B0503020204020204" charset="-122"/>
                 <a:sym typeface="+mn-ea"/>
               </a:rPr>
               <a:t>第五期计划</a:t>
@@ -2883,8 +2901,8 @@
                 <a:solidFill>
                   <a:schemeClr val="bg1"/>
                 </a:solidFill>
-                <a:latin typeface="微软雅黑" panose="020B0502040204020203" charset="-122"/>
-                <a:ea typeface="微软雅黑" panose="020B0502040204020203" charset="-122"/>
+                <a:latin typeface="微软雅黑" panose="020B0503020204020204" charset="-122"/>
+                <a:ea typeface="微软雅黑" panose="020B0503020204020204" charset="-122"/>
                 <a:sym typeface="+mn-ea"/>
               </a:rPr>
               <a:t>2019</a:t>
@@ -2894,8 +2912,8 @@
                 <a:solidFill>
                   <a:schemeClr val="bg1"/>
                 </a:solidFill>
-                <a:latin typeface="微软雅黑" panose="020B0502040204020203" charset="-122"/>
-                <a:ea typeface="微软雅黑" panose="020B0502040204020203" charset="-122"/>
+                <a:latin typeface="微软雅黑" panose="020B0503020204020204" charset="-122"/>
+                <a:ea typeface="微软雅黑" panose="020B0503020204020204" charset="-122"/>
                 <a:sym typeface="+mn-ea"/>
               </a:rPr>
               <a:t>年</a:t>
@@ -2905,8 +2923,8 @@
                 <a:solidFill>
                   <a:schemeClr val="bg1"/>
                 </a:solidFill>
-                <a:latin typeface="微软雅黑" panose="020B0502040204020203" charset="-122"/>
-                <a:ea typeface="微软雅黑" panose="020B0502040204020203" charset="-122"/>
+                <a:latin typeface="微软雅黑" panose="020B0503020204020204" charset="-122"/>
+                <a:ea typeface="微软雅黑" panose="020B0503020204020204" charset="-122"/>
                 <a:sym typeface="+mn-ea"/>
               </a:rPr>
               <a:t>5</a:t>
@@ -2916,8 +2934,8 @@
                 <a:solidFill>
                   <a:schemeClr val="bg1"/>
                 </a:solidFill>
-                <a:latin typeface="微软雅黑" panose="020B0502040204020203" charset="-122"/>
-                <a:ea typeface="微软雅黑" panose="020B0502040204020203" charset="-122"/>
+                <a:latin typeface="微软雅黑" panose="020B0503020204020204" charset="-122"/>
+                <a:ea typeface="微软雅黑" panose="020B0503020204020204" charset="-122"/>
                 <a:sym typeface="+mn-ea"/>
               </a:rPr>
               <a:t>月</a:t>
@@ -2927,8 +2945,8 @@
                 <a:solidFill>
                   <a:schemeClr val="bg1"/>
                 </a:solidFill>
-                <a:latin typeface="微软雅黑" panose="020B0502040204020203" charset="-122"/>
-                <a:ea typeface="微软雅黑" panose="020B0502040204020203" charset="-122"/>
+                <a:latin typeface="微软雅黑" panose="020B0503020204020204" charset="-122"/>
+                <a:ea typeface="微软雅黑" panose="020B0503020204020204" charset="-122"/>
                 <a:sym typeface="+mn-ea"/>
               </a:rPr>
               <a:t>5</a:t>
@@ -2938,12 +2956,20 @@
                 <a:solidFill>
                   <a:schemeClr val="bg1"/>
                 </a:solidFill>
-                <a:latin typeface="微软雅黑" panose="020B0502040204020203" charset="-122"/>
-                <a:ea typeface="微软雅黑" panose="020B0502040204020203" charset="-122"/>
+                <a:latin typeface="微软雅黑" panose="020B0503020204020204" charset="-122"/>
+                <a:ea typeface="微软雅黑" panose="020B0503020204020204" charset="-122"/>
                 <a:sym typeface="+mn-ea"/>
               </a:rPr>
               <a:t>日正式开班</a:t>
             </a:r>
+            <a:endParaRPr lang="zh-CN" altLang="en-US" sz="2800" b="1" dirty="0" smtClean="0">
+              <a:solidFill>
+                <a:schemeClr val="bg1"/>
+              </a:solidFill>
+              <a:latin typeface="微软雅黑" panose="020B0503020204020204" charset="-122"/>
+              <a:ea typeface="微软雅黑" panose="020B0503020204020204" charset="-122"/>
+              <a:sym typeface="+mn-ea"/>
+            </a:endParaRPr>
           </a:p>
         </p:txBody>
       </p:sp>
@@ -3089,6 +3115,10 @@
               </a:rPr>
               <a:t>报名。</a:t>
             </a:r>
+            <a:endParaRPr lang="zh-CN" altLang="en-US" b="1" dirty="0">
+              <a:latin typeface="华文楷体" panose="02010600040101010101" pitchFamily="2" charset="-122"/>
+              <a:ea typeface="华文楷体" panose="02010600040101010101" pitchFamily="2" charset="-122"/>
+            </a:endParaRPr>
           </a:p>
           <a:p>
             <a:r>
@@ -3098,6 +3128,10 @@
               </a:rPr>
               <a:t>一次报名，终身学习</a:t>
             </a:r>
+            <a:endParaRPr lang="zh-CN" altLang="en-US" b="1" dirty="0">
+              <a:latin typeface="华文楷体" panose="02010600040101010101" pitchFamily="2" charset="-122"/>
+              <a:ea typeface="华文楷体" panose="02010600040101010101" pitchFamily="2" charset="-122"/>
+            </a:endParaRPr>
           </a:p>
           <a:p>
             <a:r>
@@ -3239,14 +3273,18 @@
               </a:rPr>
               <a:t>+</a:t>
             </a:r>
-          </a:p>
-          <a:p>
             <a:endParaRPr lang="en-US" altLang="zh-CN" b="1" dirty="0" smtClean="0">
               <a:latin typeface="华文楷体" panose="02010600040101010101" pitchFamily="2" charset="-122"/>
               <a:ea typeface="华文楷体" panose="02010600040101010101" pitchFamily="2" charset="-122"/>
             </a:endParaRPr>
           </a:p>
           <a:p>
+            <a:endParaRPr lang="en-US" altLang="zh-CN" b="1" dirty="0" smtClean="0">
+              <a:latin typeface="华文楷体" panose="02010600040101010101" pitchFamily="2" charset="-122"/>
+              <a:ea typeface="华文楷体" panose="02010600040101010101" pitchFamily="2" charset="-122"/>
+            </a:endParaRPr>
+          </a:p>
+          <a:p>
             <a:r>
               <a:rPr lang="en-US" altLang="zh-CN" b="1" dirty="0" smtClean="0">
                 <a:latin typeface="华文楷体" panose="02010600040101010101" pitchFamily="2" charset="-122"/>
@@ -3329,6 +3367,10 @@
               </a:rPr>
               <a:t>483966038</a:t>
             </a:r>
+            <a:endParaRPr lang="en-US" altLang="zh-CN" b="1" dirty="0" smtClean="0">
+              <a:latin typeface="华文楷体" panose="02010600040101010101" pitchFamily="2" charset="-122"/>
+              <a:ea typeface="华文楷体" panose="02010600040101010101" pitchFamily="2" charset="-122"/>
+            </a:endParaRPr>
           </a:p>
           <a:p>
             <a:endParaRPr lang="en-US" altLang="zh-CN" b="1" dirty="0">
@@ -3415,11 +3457,6 @@
         </p:txBody>
       </p:sp>
     </p:spTree>
-    <p:extLst>
-      <p:ext uri="{BB962C8B-B14F-4D97-AF65-F5344CB8AC3E}">
-        <p14:creationId xmlns:p14="http://schemas.microsoft.com/office/powerpoint/2010/main" val="3146204315"/>
-      </p:ext>
-    </p:extLst>
   </p:cSld>
   <p:clrMapOvr>
     <a:masterClrMapping/>
@@ -3474,7 +3511,7 @@
           </p:nvPr>
         </p:nvPicPr>
         <p:blipFill>
-          <a:blip r:embed="rId2"/>
+          <a:blip r:embed="rId1"/>
           <a:stretch>
             <a:fillRect/>
           </a:stretch>
@@ -3544,7 +3581,7 @@
           </p:nvPr>
         </p:nvPicPr>
         <p:blipFill>
-          <a:blip r:embed="rId2"/>
+          <a:blip r:embed="rId1"/>
           <a:stretch>
             <a:fillRect/>
           </a:stretch>
@@ -3614,7 +3651,7 @@
           </p:nvPr>
         </p:nvPicPr>
         <p:blipFill>
-          <a:blip r:embed="rId2"/>
+          <a:blip r:embed="rId1"/>
           <a:stretch>
             <a:fillRect/>
           </a:stretch>
@@ -3656,11 +3693,18 @@
                 <a:solidFill>
                   <a:schemeClr val="accent2"/>
                 </a:solidFill>
-                <a:latin typeface="微软雅黑" panose="020B0502040204020203" charset="-122"/>
-                <a:ea typeface="微软雅黑" panose="020B0502040204020203" charset="-122"/>
+                <a:latin typeface="微软雅黑" panose="020B0503020204020204" charset="-122"/>
+                <a:ea typeface="微软雅黑" panose="020B0503020204020204" charset="-122"/>
               </a:rPr>
               <a:t>QQ：483966038</a:t>
             </a:r>
+            <a:endParaRPr sz="3600" b="1" dirty="0">
+              <a:solidFill>
+                <a:schemeClr val="accent2"/>
+              </a:solidFill>
+              <a:latin typeface="微软雅黑" panose="020B0503020204020204" charset="-122"/>
+              <a:ea typeface="微软雅黑" panose="020B0503020204020204" charset="-122"/>
+            </a:endParaRPr>
           </a:p>
         </p:txBody>
       </p:sp>
@@ -3719,7 +3763,7 @@
           </p:nvPr>
         </p:nvPicPr>
         <p:blipFill>
-          <a:blip r:embed="rId2"/>
+          <a:blip r:embed="rId1"/>
           <a:stretch>
             <a:fillRect/>
           </a:stretch>
@@ -3792,7 +3836,7 @@
           <p:nvPr/>
         </p:nvPicPr>
         <p:blipFill>
-          <a:blip r:embed="rId2"/>
+          <a:blip r:embed="rId1"/>
           <a:stretch>
             <a:fillRect/>
           </a:stretch>
@@ -3815,7 +3859,7 @@
         </p:nvSpPr>
         <p:spPr>
           <a:xfrm>
-            <a:off x="1064982" y="2782156"/>
+            <a:off x="1073220" y="2564725"/>
             <a:ext cx="488315" cy="488315"/>
           </a:xfrm>
           <a:prstGeom prst="ellipse">
@@ -3858,7 +3902,7 @@
         </p:nvSpPr>
         <p:spPr>
           <a:xfrm>
-            <a:off x="1126260" y="2827241"/>
+            <a:off x="1134498" y="2609810"/>
             <a:ext cx="365125" cy="398780"/>
           </a:xfrm>
           <a:prstGeom prst="rect">
@@ -3877,11 +3921,18 @@
                 <a:solidFill>
                   <a:schemeClr val="bg1"/>
                 </a:solidFill>
-                <a:latin typeface="微软雅黑" panose="020B0502040204020203" charset="-122"/>
-                <a:ea typeface="微软雅黑" panose="020B0502040204020203" charset="-122"/>
+                <a:latin typeface="微软雅黑" panose="020B0503020204020204" charset="-122"/>
+                <a:ea typeface="微软雅黑" panose="020B0503020204020204" charset="-122"/>
               </a:rPr>
               <a:t>1</a:t>
             </a:r>
+            <a:endParaRPr lang="en-US" altLang="zh-CN" sz="2000" b="1" dirty="0">
+              <a:solidFill>
+                <a:schemeClr val="bg1"/>
+              </a:solidFill>
+              <a:latin typeface="微软雅黑" panose="020B0503020204020204" charset="-122"/>
+              <a:ea typeface="微软雅黑" panose="020B0503020204020204" charset="-122"/>
+            </a:endParaRPr>
           </a:p>
         </p:txBody>
       </p:sp>
@@ -3894,7 +3945,7 @@
         <p:spPr>
           <a:xfrm>
             <a:off x="1667597" y="2579690"/>
-            <a:ext cx="5883704" cy="646331"/>
+            <a:ext cx="5883704" cy="369332"/>
           </a:xfrm>
           <a:prstGeom prst="rect">
             <a:avLst/>
@@ -3907,6 +3958,36 @@
           </a:bodyPr>
           <a:lstStyle/>
           <a:p>
+            <a:r>
+              <a:rPr lang="zh-CN" altLang="en-US" b="1" dirty="0">
+                <a:solidFill>
+                  <a:schemeClr val="tx1">
+                    <a:lumMod val="85000"/>
+                    <a:lumOff val="15000"/>
+                  </a:schemeClr>
+                </a:solidFill>
+                <a:latin typeface="微软雅黑" panose="020B0503020204020204" charset="-122"/>
+                <a:ea typeface="微软雅黑" panose="020B0503020204020204" charset="-122"/>
+                <a:cs typeface="黑体" panose="02010609060101010101" charset="-122"/>
+                <a:sym typeface="+mn-ea"/>
+              </a:rPr>
+              <a:t>秒</a:t>
+            </a:r>
+            <a:r>
+              <a:rPr lang="zh-CN" altLang="en-US" b="1" dirty="0" smtClean="0">
+                <a:solidFill>
+                  <a:schemeClr val="tx1">
+                    <a:lumMod val="85000"/>
+                    <a:lumOff val="15000"/>
+                  </a:schemeClr>
+                </a:solidFill>
+                <a:latin typeface="微软雅黑" panose="020B0503020204020204" charset="-122"/>
+                <a:ea typeface="微软雅黑" panose="020B0503020204020204" charset="-122"/>
+                <a:cs typeface="黑体" panose="02010609060101010101" charset="-122"/>
+                <a:sym typeface="+mn-ea"/>
+              </a:rPr>
+              <a:t>杀抢购数据库设计</a:t>
+            </a:r>
             <a:endParaRPr lang="zh-CN" altLang="en-US" b="1" dirty="0">
               <a:solidFill>
                 <a:schemeClr val="tx1">
@@ -3914,28 +3995,11 @@
                   <a:lumOff val="15000"/>
                 </a:schemeClr>
               </a:solidFill>
-              <a:latin typeface="微软雅黑" panose="020B0502040204020203" charset="-122"/>
-              <a:ea typeface="微软雅黑" panose="020B0502040204020203" charset="-122"/>
+              <a:latin typeface="微软雅黑" panose="020B0503020204020204" charset="-122"/>
+              <a:ea typeface="微软雅黑" panose="020B0503020204020204" charset="-122"/>
               <a:cs typeface="黑体" panose="02010609060101010101" charset="-122"/>
               <a:sym typeface="+mn-ea"/>
             </a:endParaRPr>
-          </a:p>
-          <a:p>
-            <a:r>
-              <a:rPr lang="zh-CN" altLang="en-US" b="1" dirty="0">
-                <a:solidFill>
-                  <a:schemeClr val="tx1">
-                    <a:lumMod val="85000"/>
-                    <a:lumOff val="15000"/>
-                  </a:schemeClr>
-                </a:solidFill>
-                <a:latin typeface="微软雅黑" panose="020B0502040204020203" charset="-122"/>
-                <a:ea typeface="微软雅黑" panose="020B0502040204020203" charset="-122"/>
-                <a:cs typeface="黑体" panose="02010609060101010101" charset="-122"/>
-                <a:sym typeface="+mn-ea"/>
-              </a:rPr>
-              <a:t>为什么我们需要学习设计模式？</a:t>
-            </a:r>
           </a:p>
         </p:txBody>
       </p:sp>
@@ -3947,7 +4011,7 @@
         </p:nvSpPr>
         <p:spPr>
           <a:xfrm>
-            <a:off x="1064982" y="3347306"/>
+            <a:off x="1064664" y="3190502"/>
             <a:ext cx="488315" cy="488315"/>
           </a:xfrm>
           <a:prstGeom prst="ellipse">
@@ -3990,7 +4054,7 @@
         </p:nvSpPr>
         <p:spPr>
           <a:xfrm>
-            <a:off x="1126260" y="3391756"/>
+            <a:off x="1134498" y="3246654"/>
             <a:ext cx="365125" cy="398780"/>
           </a:xfrm>
           <a:prstGeom prst="rect">
@@ -4005,15 +4069,22 @@
           <a:lstStyle/>
           <a:p>
             <a:r>
-              <a:rPr lang="en-US" altLang="zh-CN" sz="2000" b="1">
+              <a:rPr lang="en-US" altLang="zh-CN" sz="2000" b="1" dirty="0">
                 <a:solidFill>
                   <a:schemeClr val="bg1"/>
                 </a:solidFill>
-                <a:latin typeface="微软雅黑" panose="020B0502040204020203" charset="-122"/>
-                <a:ea typeface="微软雅黑" panose="020B0502040204020203" charset="-122"/>
+                <a:latin typeface="微软雅黑" panose="020B0503020204020204" charset="-122"/>
+                <a:ea typeface="微软雅黑" panose="020B0503020204020204" charset="-122"/>
               </a:rPr>
               <a:t>2</a:t>
             </a:r>
+            <a:endParaRPr lang="en-US" altLang="zh-CN" sz="2000" b="1" dirty="0">
+              <a:solidFill>
+                <a:schemeClr val="bg1"/>
+              </a:solidFill>
+              <a:latin typeface="微软雅黑" panose="020B0503020204020204" charset="-122"/>
+              <a:ea typeface="微软雅黑" panose="020B0503020204020204" charset="-122"/>
+            </a:endParaRPr>
           </a:p>
         </p:txBody>
       </p:sp>
@@ -4025,7 +4096,7 @@
         </p:nvSpPr>
         <p:spPr>
           <a:xfrm>
-            <a:off x="1667597" y="3391756"/>
+            <a:off x="1667597" y="3216344"/>
             <a:ext cx="4749800" cy="368300"/>
           </a:xfrm>
           <a:prstGeom prst="rect">
@@ -4040,20 +4111,32 @@
           <a:lstStyle/>
           <a:p>
             <a:r>
-              <a:rPr lang="zh-CN" altLang="en-US" b="1" dirty="0">
+              <a:rPr lang="zh-CN" altLang="en-US" b="1" dirty="0" smtClean="0">
                 <a:solidFill>
                   <a:schemeClr val="tx1">
                     <a:lumMod val="85000"/>
                     <a:lumOff val="15000"/>
                   </a:schemeClr>
                 </a:solidFill>
-                <a:latin typeface="微软雅黑" panose="020B0502040204020203" charset="-122"/>
-                <a:ea typeface="微软雅黑" panose="020B0502040204020203" charset="-122"/>
+                <a:latin typeface="微软雅黑" panose="020B0503020204020204" charset="-122"/>
+                <a:ea typeface="微软雅黑" panose="020B0503020204020204" charset="-122"/>
                 <a:cs typeface="黑体" panose="02010609060101010101" charset="-122"/>
                 <a:sym typeface="+mn-ea"/>
               </a:rPr>
-              <a:t>重构代码使用设计模式有那些思想？</a:t>
-            </a:r>
+              <a:t>基于数据库乐观锁实现防止库存超卖问题</a:t>
+            </a:r>
+            <a:endParaRPr lang="zh-CN" altLang="en-US" b="1" dirty="0">
+              <a:solidFill>
+                <a:schemeClr val="tx1">
+                  <a:lumMod val="85000"/>
+                  <a:lumOff val="15000"/>
+                </a:schemeClr>
+              </a:solidFill>
+              <a:latin typeface="微软雅黑" panose="020B0503020204020204" charset="-122"/>
+              <a:ea typeface="微软雅黑" panose="020B0503020204020204" charset="-122"/>
+              <a:cs typeface="黑体" panose="02010609060101010101" charset="-122"/>
+              <a:sym typeface="+mn-ea"/>
+            </a:endParaRPr>
           </a:p>
         </p:txBody>
       </p:sp>
@@ -4127,11 +4210,18 @@
                 <a:solidFill>
                   <a:schemeClr val="bg1"/>
                 </a:solidFill>
-                <a:latin typeface="微软雅黑" panose="020B0502040204020203" charset="-122"/>
-                <a:ea typeface="微软雅黑" panose="020B0502040204020203" charset="-122"/>
+                <a:latin typeface="微软雅黑" panose="020B0503020204020204" charset="-122"/>
+                <a:ea typeface="微软雅黑" panose="020B0503020204020204" charset="-122"/>
               </a:rPr>
               <a:t>3</a:t>
             </a:r>
+            <a:endParaRPr lang="en-US" altLang="zh-CN" sz="2000" b="1" dirty="0">
+              <a:solidFill>
+                <a:schemeClr val="bg1"/>
+              </a:solidFill>
+              <a:latin typeface="微软雅黑" panose="020B0503020204020204" charset="-122"/>
+              <a:ea typeface="微软雅黑" panose="020B0503020204020204" charset="-122"/>
+            </a:endParaRPr>
           </a:p>
         </p:txBody>
       </p:sp>
@@ -4162,11 +4252,18 @@
                 <a:solidFill>
                   <a:schemeClr val="bg1"/>
                 </a:solidFill>
-                <a:latin typeface="微软雅黑" panose="020B0502040204020203" charset="-122"/>
-                <a:ea typeface="微软雅黑" panose="020B0502040204020203" charset="-122"/>
+                <a:latin typeface="微软雅黑" panose="020B0503020204020204" charset="-122"/>
+                <a:ea typeface="微软雅黑" panose="020B0503020204020204" charset="-122"/>
               </a:rPr>
               <a:t>4</a:t>
             </a:r>
+            <a:endParaRPr lang="en-US" altLang="zh-CN" sz="2000" b="1">
+              <a:solidFill>
+                <a:schemeClr val="bg1"/>
+              </a:solidFill>
+              <a:latin typeface="微软雅黑" panose="020B0503020204020204" charset="-122"/>
+              <a:ea typeface="微软雅黑" panose="020B0503020204020204" charset="-122"/>
+            </a:endParaRPr>
           </a:p>
         </p:txBody>
       </p:sp>
@@ -4200,13 +4297,55 @@
                     <a:lumOff val="15000"/>
                   </a:schemeClr>
                 </a:solidFill>
-                <a:latin typeface="微软雅黑" panose="020B0502040204020203" charset="-122"/>
-                <a:ea typeface="微软雅黑" panose="020B0502040204020203" charset="-122"/>
+                <a:latin typeface="微软雅黑" panose="020B0503020204020204" charset="-122"/>
+                <a:ea typeface="微软雅黑" panose="020B0503020204020204" charset="-122"/>
                 <a:cs typeface="黑体" panose="02010609060101010101" charset="-122"/>
                 <a:sym typeface="+mn-ea"/>
               </a:rPr>
-              <a:t>如何巧用设计模式重构代码？</a:t>
-            </a:r>
+              <a:t>基于</a:t>
+            </a:r>
+            <a:r>
+              <a:rPr lang="en-US" altLang="zh-CN" b="1" dirty="0" err="1">
+                <a:solidFill>
+                  <a:schemeClr val="tx1">
+                    <a:lumMod val="85000"/>
+                    <a:lumOff val="15000"/>
+                  </a:schemeClr>
+                </a:solidFill>
+                <a:latin typeface="微软雅黑" panose="020B0503020204020204" charset="-122"/>
+                <a:ea typeface="微软雅黑" panose="020B0503020204020204" charset="-122"/>
+                <a:cs typeface="黑体" panose="02010609060101010101" charset="-122"/>
+                <a:sym typeface="+mn-ea"/>
+              </a:rPr>
+              <a:t>Redis</a:t>
+            </a:r>
+            <a:r>
+              <a:rPr lang="zh-CN" altLang="en-US" b="1" dirty="0">
+                <a:solidFill>
+                  <a:schemeClr val="tx1">
+                    <a:lumMod val="85000"/>
+                    <a:lumOff val="15000"/>
+                  </a:schemeClr>
+                </a:solidFill>
+                <a:latin typeface="微软雅黑" panose="020B0503020204020204" charset="-122"/>
+                <a:ea typeface="微软雅黑" panose="020B0503020204020204" charset="-122"/>
+                <a:cs typeface="黑体" panose="02010609060101010101" charset="-122"/>
+                <a:sym typeface="+mn-ea"/>
+              </a:rPr>
+              <a:t>实现用户行为实现频率限制</a:t>
+            </a:r>
+            <a:endParaRPr lang="zh-CN" altLang="en-US" b="1" dirty="0">
+              <a:solidFill>
+                <a:schemeClr val="tx1">
+                  <a:lumMod val="85000"/>
+                  <a:lumOff val="15000"/>
+                </a:schemeClr>
+              </a:solidFill>
+              <a:latin typeface="微软雅黑" panose="020B0503020204020204" charset="-122"/>
+              <a:ea typeface="微软雅黑" panose="020B0503020204020204" charset="-122"/>
+              <a:cs typeface="黑体" panose="02010609060101010101" charset="-122"/>
+              <a:sym typeface="+mn-ea"/>
+            </a:endParaRPr>
           </a:p>
         </p:txBody>
       </p:sp>
@@ -4240,12 +4379,42 @@
                     <a:lumOff val="15000"/>
                   </a:schemeClr>
                 </a:solidFill>
-                <a:latin typeface="微软雅黑" panose="020B0502040204020203" charset="-122"/>
-                <a:ea typeface="微软雅黑" panose="020B0502040204020203" charset="-122"/>
+                <a:latin typeface="微软雅黑" panose="020B0503020204020204" charset="-122"/>
+                <a:ea typeface="微软雅黑" panose="020B0503020204020204" charset="-122"/>
                 <a:cs typeface="黑体" panose="02010609060101010101" charset="-122"/>
                 <a:sym typeface="+mn-ea"/>
               </a:rPr>
-              <a:t>基于责任链实现网关权限控制</a:t>
+              <a:t>基于令牌</a:t>
+            </a:r>
+            <a:r>
+              <a:rPr lang="en-US" altLang="zh-CN" b="1" dirty="0" smtClean="0">
+                <a:solidFill>
+                  <a:schemeClr val="tx1">
+                    <a:lumMod val="85000"/>
+                    <a:lumOff val="15000"/>
+                  </a:schemeClr>
+                </a:solidFill>
+                <a:latin typeface="微软雅黑" panose="020B0503020204020204" charset="-122"/>
+                <a:ea typeface="微软雅黑" panose="020B0503020204020204" charset="-122"/>
+                <a:cs typeface="黑体" panose="02010609060101010101" charset="-122"/>
+                <a:sym typeface="+mn-ea"/>
+              </a:rPr>
+              <a:t>+MQ</a:t>
+            </a:r>
+            <a:r>
+              <a:rPr lang="zh-CN" altLang="en-US" b="1" dirty="0" smtClean="0">
+                <a:solidFill>
+                  <a:schemeClr val="tx1">
+                    <a:lumMod val="85000"/>
+                    <a:lumOff val="15000"/>
+                  </a:schemeClr>
+                </a:solidFill>
+                <a:latin typeface="微软雅黑" panose="020B0503020204020204" charset="-122"/>
+                <a:ea typeface="微软雅黑" panose="020B0503020204020204" charset="-122"/>
+                <a:cs typeface="黑体" panose="02010609060101010101" charset="-122"/>
+                <a:sym typeface="+mn-ea"/>
+              </a:rPr>
+              <a:t>形式实现异步修改库存</a:t>
             </a:r>
             <a:endParaRPr lang="zh-CN" altLang="en-US" b="1" dirty="0">
               <a:solidFill>
@@ -4254,8 +4423,8 @@
                   <a:lumOff val="15000"/>
                 </a:schemeClr>
               </a:solidFill>
-              <a:latin typeface="微软雅黑" panose="020B0502040204020203" charset="-122"/>
-              <a:ea typeface="微软雅黑" panose="020B0502040204020203" charset="-122"/>
+              <a:latin typeface="微软雅黑" panose="020B0503020204020204" charset="-122"/>
+              <a:ea typeface="微软雅黑" panose="020B0503020204020204" charset="-122"/>
               <a:cs typeface="黑体" panose="02010609060101010101" charset="-122"/>
               <a:sym typeface="+mn-ea"/>
             </a:endParaRPr>
@@ -4332,8 +4501,8 @@
                 <a:solidFill>
                   <a:schemeClr val="bg1"/>
                 </a:solidFill>
-                <a:latin typeface="微软雅黑" panose="020B0502040204020203" charset="-122"/>
-                <a:ea typeface="微软雅黑" panose="020B0502040204020203" charset="-122"/>
+                <a:latin typeface="微软雅黑" panose="020B0503020204020204" charset="-122"/>
+                <a:ea typeface="微软雅黑" panose="020B0503020204020204" charset="-122"/>
               </a:rPr>
               <a:t>4</a:t>
             </a:r>
@@ -4341,8 +4510,8 @@
               <a:solidFill>
                 <a:schemeClr val="bg1"/>
               </a:solidFill>
-              <a:latin typeface="微软雅黑" panose="020B0502040204020203" charset="-122"/>
-              <a:ea typeface="微软雅黑" panose="020B0502040204020203" charset="-122"/>
+              <a:latin typeface="微软雅黑" panose="020B0503020204020204" charset="-122"/>
+              <a:ea typeface="微软雅黑" panose="020B0503020204020204" charset="-122"/>
             </a:endParaRPr>
           </a:p>
         </p:txBody>
@@ -4402,7 +4571,7 @@
           </p:nvPr>
         </p:nvPicPr>
         <p:blipFill>
-          <a:blip r:embed="rId2"/>
+          <a:blip r:embed="rId1"/>
           <a:stretch>
             <a:fillRect/>
           </a:stretch>
@@ -4612,7 +4781,7 @@
               <a:rPr lang="en-US" altLang="zh-CN" dirty="0">
                 <a:latin typeface="华文楷体" panose="02010600040101010101" pitchFamily="2" charset="-122"/>
                 <a:ea typeface="华文楷体" panose="02010600040101010101" pitchFamily="2" charset="-122"/>
-                <a:hlinkClick r:id="rId3"/>
+                <a:hlinkClick r:id="rId2"/>
               </a:rPr>
               <a:t>http://s.bl.com/?bl_ad=644_-_366041_-_</a:t>
             </a:r>
@@ -4620,7 +4789,7 @@
               <a:rPr lang="en-US" altLang="zh-CN" dirty="0" smtClean="0">
                 <a:latin typeface="华文楷体" panose="02010600040101010101" pitchFamily="2" charset="-122"/>
                 <a:ea typeface="华文楷体" panose="02010600040101010101" pitchFamily="2" charset="-122"/>
-                <a:hlinkClick r:id="rId3"/>
+                <a:hlinkClick r:id="rId2"/>
               </a:rPr>
               <a:t>1</a:t>
             </a:r>
@@ -4698,7 +4867,7 @@
           <p:nvPr/>
         </p:nvPicPr>
         <p:blipFill>
-          <a:blip r:embed="rId4">
+          <a:blip r:embed="rId3">
             <a:extLst>
               <a:ext uri="{28A0092B-C50C-407E-A947-70E740481C1C}">
                 <a14:useLocalDpi xmlns:a14="http://schemas.microsoft.com/office/drawing/2010/main" val="0"/>
@@ -4774,7 +4943,7 @@
           </p:nvPr>
         </p:nvPicPr>
         <p:blipFill>
-          <a:blip r:embed="rId2"/>
+          <a:blip r:embed="rId1"/>
           <a:stretch>
             <a:fillRect/>
           </a:stretch>
@@ -4920,6 +5089,10 @@
               </a:rPr>
               <a:t>、一元秒杀</a:t>
             </a:r>
+            <a:endParaRPr lang="zh-CN" altLang="en-US" sz="2000" b="1" dirty="0">
+              <a:latin typeface="华文楷体" panose="02010600040101010101" pitchFamily="2" charset="-122"/>
+              <a:ea typeface="华文楷体" panose="02010600040101010101" pitchFamily="2" charset="-122"/>
+            </a:endParaRPr>
           </a:p>
           <a:p>
             <a:r>
@@ -4990,6 +5163,10 @@
               </a:rPr>
               <a:t>、低价限量秒杀</a:t>
             </a:r>
+            <a:endParaRPr lang="zh-CN" altLang="en-US" sz="2000" b="1" dirty="0">
+              <a:latin typeface="华文楷体" panose="02010600040101010101" pitchFamily="2" charset="-122"/>
+              <a:ea typeface="华文楷体" panose="02010600040101010101" pitchFamily="2" charset="-122"/>
+            </a:endParaRPr>
           </a:p>
           <a:p>
             <a:r>
@@ -5052,6 +5229,10 @@
               </a:rPr>
               <a:t>、低价限时限量秒杀</a:t>
             </a:r>
+            <a:endParaRPr lang="zh-CN" altLang="en-US" sz="2000" b="1" dirty="0">
+              <a:latin typeface="华文楷体" panose="02010600040101010101" pitchFamily="2" charset="-122"/>
+              <a:ea typeface="华文楷体" panose="02010600040101010101" pitchFamily="2" charset="-122"/>
+            </a:endParaRPr>
           </a:p>
           <a:p>
             <a:r>
@@ -5069,11 +5250,6 @@
         </p:txBody>
       </p:sp>
     </p:spTree>
-    <p:extLst>
-      <p:ext uri="{BB962C8B-B14F-4D97-AF65-F5344CB8AC3E}">
-        <p14:creationId xmlns:p14="http://schemas.microsoft.com/office/powerpoint/2010/main" val="208768721"/>
-      </p:ext>
-    </p:extLst>
   </p:cSld>
   <p:clrMapOvr>
     <a:masterClrMapping/>
@@ -5128,7 +5304,7 @@
           </p:nvPr>
         </p:nvPicPr>
         <p:blipFill>
-          <a:blip r:embed="rId2"/>
+          <a:blip r:embed="rId1"/>
           <a:stretch>
             <a:fillRect/>
           </a:stretch>
@@ -5470,14 +5646,33 @@
                 <a:latin typeface="华文楷体" panose="02010600040101010101" pitchFamily="2" charset="-122"/>
                 <a:ea typeface="华文楷体" panose="02010600040101010101" pitchFamily="2" charset="-122"/>
               </a:rPr>
-              <a:t>如何防止用户作弊</a:t>
+              <a:t>如何防止用户作弊行为</a:t>
+            </a:r>
+            <a:endParaRPr lang="en-US" altLang="zh-CN" b="1" dirty="0" smtClean="0">
+              <a:latin typeface="华文楷体" panose="02010600040101010101" pitchFamily="2" charset="-122"/>
+              <a:ea typeface="华文楷体" panose="02010600040101010101" pitchFamily="2" charset="-122"/>
+            </a:endParaRPr>
+          </a:p>
+          <a:p>
+            <a:endParaRPr lang="en-US" altLang="zh-CN" b="1" dirty="0" smtClean="0">
+              <a:latin typeface="华文楷体" panose="02010600040101010101" pitchFamily="2" charset="-122"/>
+              <a:ea typeface="华文楷体" panose="02010600040101010101" pitchFamily="2" charset="-122"/>
+            </a:endParaRPr>
+          </a:p>
+          <a:p>
+            <a:r>
+              <a:rPr lang="zh-CN" altLang="en-US" b="1" dirty="0">
+                <a:latin typeface="华文楷体" panose="02010600040101010101" pitchFamily="2" charset="-122"/>
+                <a:ea typeface="华文楷体" panose="02010600040101010101" pitchFamily="2" charset="-122"/>
+              </a:rPr>
+              <a:t>秒</a:t>
             </a:r>
             <a:r>
               <a:rPr lang="zh-CN" altLang="en-US" b="1" dirty="0" smtClean="0">
                 <a:latin typeface="华文楷体" panose="02010600040101010101" pitchFamily="2" charset="-122"/>
                 <a:ea typeface="华文楷体" panose="02010600040101010101" pitchFamily="2" charset="-122"/>
               </a:rPr>
-              <a:t>行为</a:t>
+              <a:t>杀本质也属于高并发优化方案</a:t>
             </a:r>
             <a:endParaRPr lang="en-US" altLang="zh-CN" b="1" dirty="0" smtClean="0">
               <a:latin typeface="华文楷体" panose="02010600040101010101" pitchFamily="2" charset="-122"/>
@@ -5491,32 +5686,6 @@
             </a:endParaRPr>
           </a:p>
           <a:p>
-            <a:r>
-              <a:rPr lang="zh-CN" altLang="en-US" b="1" dirty="0">
-                <a:latin typeface="华文楷体" panose="02010600040101010101" pitchFamily="2" charset="-122"/>
-                <a:ea typeface="华文楷体" panose="02010600040101010101" pitchFamily="2" charset="-122"/>
-              </a:rPr>
-              <a:t>秒</a:t>
-            </a:r>
-            <a:r>
-              <a:rPr lang="zh-CN" altLang="en-US" b="1" dirty="0" smtClean="0">
-                <a:latin typeface="华文楷体" panose="02010600040101010101" pitchFamily="2" charset="-122"/>
-                <a:ea typeface="华文楷体" panose="02010600040101010101" pitchFamily="2" charset="-122"/>
-              </a:rPr>
-              <a:t>杀本质也属于高并发优化方案</a:t>
-            </a:r>
-            <a:endParaRPr lang="en-US" altLang="zh-CN" b="1" dirty="0" smtClean="0">
-              <a:latin typeface="华文楷体" panose="02010600040101010101" pitchFamily="2" charset="-122"/>
-              <a:ea typeface="华文楷体" panose="02010600040101010101" pitchFamily="2" charset="-122"/>
-            </a:endParaRPr>
-          </a:p>
-          <a:p>
-            <a:endParaRPr lang="en-US" altLang="zh-CN" b="1" dirty="0" smtClean="0">
-              <a:latin typeface="华文楷体" panose="02010600040101010101" pitchFamily="2" charset="-122"/>
-              <a:ea typeface="华文楷体" panose="02010600040101010101" pitchFamily="2" charset="-122"/>
-            </a:endParaRPr>
-          </a:p>
-          <a:p>
             <a:endParaRPr lang="en-US" altLang="zh-CN" b="1" dirty="0">
               <a:latin typeface="华文楷体" panose="02010600040101010101" pitchFamily="2" charset="-122"/>
               <a:ea typeface="华文楷体" panose="02010600040101010101" pitchFamily="2" charset="-122"/>
@@ -5525,11 +5694,6 @@
         </p:txBody>
       </p:sp>
     </p:spTree>
-    <p:extLst>
-      <p:ext uri="{BB962C8B-B14F-4D97-AF65-F5344CB8AC3E}">
-        <p14:creationId xmlns:p14="http://schemas.microsoft.com/office/powerpoint/2010/main" val="565313076"/>
-      </p:ext>
-    </p:extLst>
   </p:cSld>
   <p:clrMapOvr>
     <a:masterClrMapping/>
@@ -5584,7 +5748,7 @@
           </p:nvPr>
         </p:nvPicPr>
         <p:blipFill>
-          <a:blip r:embed="rId2"/>
+          <a:blip r:embed="rId1"/>
           <a:stretch>
             <a:fillRect/>
           </a:stretch>
@@ -5691,7 +5855,7 @@
         <p:spPr>
           <a:xfrm>
             <a:off x="111211" y="1820853"/>
-            <a:ext cx="11656540" cy="4801314"/>
+            <a:ext cx="11656540" cy="5355312"/>
           </a:xfrm>
           <a:prstGeom prst="rect">
             <a:avLst/>
@@ -6039,14 +6203,47 @@
                 <a:latin typeface="华文楷体" panose="02010600040101010101" pitchFamily="2" charset="-122"/>
                 <a:ea typeface="华文楷体" panose="02010600040101010101" pitchFamily="2" charset="-122"/>
               </a:rPr>
-              <a:t>，禁止用户重复提交</a:t>
-            </a:r>
+              <a:t>，禁止用户重复</a:t>
+            </a:r>
+            <a:r>
+              <a:rPr lang="zh-CN" altLang="en-US" b="1" dirty="0" smtClean="0">
+                <a:latin typeface="华文楷体" panose="02010600040101010101" pitchFamily="2" charset="-122"/>
+                <a:ea typeface="华文楷体" panose="02010600040101010101" pitchFamily="2" charset="-122"/>
+              </a:rPr>
+              <a:t>提交</a:t>
+            </a:r>
+            <a:endParaRPr lang="en-US" altLang="zh-CN" b="1" dirty="0" smtClean="0">
+              <a:latin typeface="华文楷体" panose="02010600040101010101" pitchFamily="2" charset="-122"/>
+              <a:ea typeface="华文楷体" panose="02010600040101010101" pitchFamily="2" charset="-122"/>
+            </a:endParaRPr>
+          </a:p>
+          <a:p>
             <a:endParaRPr lang="en-US" altLang="zh-CN" b="1" dirty="0">
               <a:latin typeface="华文楷体" panose="02010600040101010101" pitchFamily="2" charset="-122"/>
               <a:ea typeface="华文楷体" panose="02010600040101010101" pitchFamily="2" charset="-122"/>
             </a:endParaRPr>
           </a:p>
           <a:p>
+            <a:r>
+              <a:rPr lang="en-US" altLang="zh-CN" b="1" dirty="0" smtClean="0">
+                <a:latin typeface="华文楷体" panose="02010600040101010101" pitchFamily="2" charset="-122"/>
+                <a:ea typeface="华文楷体" panose="02010600040101010101" pitchFamily="2" charset="-122"/>
+              </a:rPr>
+              <a:t>CDN</a:t>
+            </a:r>
+            <a:r>
+              <a:rPr lang="zh-CN" altLang="en-US" b="1" dirty="0" smtClean="0">
+                <a:latin typeface="华文楷体" panose="02010600040101010101" pitchFamily="2" charset="-122"/>
+                <a:ea typeface="华文楷体" panose="02010600040101010101" pitchFamily="2" charset="-122"/>
+              </a:rPr>
+              <a:t>好处可以实现减少客户端与服务端带宽传输</a:t>
+            </a:r>
+            <a:endParaRPr lang="en-US" altLang="zh-CN" b="1" dirty="0">
+              <a:latin typeface="华文楷体" panose="02010600040101010101" pitchFamily="2" charset="-122"/>
+              <a:ea typeface="华文楷体" panose="02010600040101010101" pitchFamily="2" charset="-122"/>
+            </a:endParaRPr>
+          </a:p>
+          <a:p>
             <a:endParaRPr lang="en-US" altLang="zh-CN" b="1" dirty="0" smtClean="0">
               <a:latin typeface="华文楷体" panose="02010600040101010101" pitchFamily="2" charset="-122"/>
               <a:ea typeface="华文楷体" panose="02010600040101010101" pitchFamily="2" charset="-122"/>
@@ -6073,11 +6270,6 @@
         </p:txBody>
       </p:sp>
     </p:spTree>
-    <p:extLst>
-      <p:ext uri="{BB962C8B-B14F-4D97-AF65-F5344CB8AC3E}">
-        <p14:creationId xmlns:p14="http://schemas.microsoft.com/office/powerpoint/2010/main" val="3166766745"/>
-      </p:ext>
-    </p:extLst>
   </p:cSld>
   <p:clrMapOvr>
     <a:masterClrMapping/>
@@ -6132,7 +6324,7 @@
           </p:nvPr>
         </p:nvPicPr>
         <p:blipFill>
-          <a:blip r:embed="rId2"/>
+          <a:blip r:embed="rId1"/>
           <a:stretch>
             <a:fillRect/>
           </a:stretch>
@@ -6520,6 +6712,10 @@
               </a:rPr>
               <a:t> </a:t>
             </a:r>
+            <a:endParaRPr lang="en-US" altLang="zh-CN" b="1" dirty="0" smtClean="0">
+              <a:latin typeface="华文楷体" panose="02010600040101010101" pitchFamily="2" charset="-122"/>
+              <a:ea typeface="华文楷体" panose="02010600040101010101" pitchFamily="2" charset="-122"/>
+            </a:endParaRPr>
           </a:p>
           <a:p>
             <a:endParaRPr lang="en-US" altLang="zh-CN" b="1" dirty="0">
@@ -6530,11 +6726,6 @@
         </p:txBody>
       </p:sp>
     </p:spTree>
-    <p:extLst>
-      <p:ext uri="{BB962C8B-B14F-4D97-AF65-F5344CB8AC3E}">
-        <p14:creationId xmlns:p14="http://schemas.microsoft.com/office/powerpoint/2010/main" val="3777721634"/>
-      </p:ext>
-    </p:extLst>
   </p:cSld>
   <p:clrMapOvr>
     <a:masterClrMapping/>
@@ -6589,7 +6780,7 @@
           </p:nvPr>
         </p:nvPicPr>
         <p:blipFill>
-          <a:blip r:embed="rId2"/>
+          <a:blip r:embed="rId1"/>
           <a:stretch>
             <a:fillRect/>
           </a:stretch>
@@ -7130,6 +7321,10 @@
               </a:rPr>
               <a:t>杀活动只是网站营销的一个附加活动，这个活动具有时间短，并发访问量大的特点，如果和网站原有应用部署在一起，必然会对现有业务造成冲击，稍有不慎可能导致整个网站瘫痪。</a:t>
             </a:r>
+            <a:endParaRPr lang="zh-CN" altLang="en-US" b="1" dirty="0">
+              <a:latin typeface="华文楷体" panose="02010600040101010101" pitchFamily="2" charset="-122"/>
+              <a:ea typeface="华文楷体" panose="02010600040101010101" pitchFamily="2" charset="-122"/>
+            </a:endParaRPr>
           </a:p>
           <a:p>
             <a:r>
@@ -7159,15 +7354,17 @@
               </a:rPr>
               <a:t>方案：将秒杀系统独立部署，甚至使用独立域名，使其与网站完全隔离。</a:t>
             </a:r>
+            <a:endParaRPr lang="zh-CN" altLang="en-US" b="1" dirty="0">
+              <a:solidFill>
+                <a:srgbClr val="FF0000"/>
+              </a:solidFill>
+              <a:latin typeface="华文楷体" panose="02010600040101010101" pitchFamily="2" charset="-122"/>
+              <a:ea typeface="华文楷体" panose="02010600040101010101" pitchFamily="2" charset="-122"/>
+            </a:endParaRPr>
           </a:p>
         </p:txBody>
       </p:sp>
     </p:spTree>
-    <p:extLst>
-      <p:ext uri="{BB962C8B-B14F-4D97-AF65-F5344CB8AC3E}">
-        <p14:creationId xmlns:p14="http://schemas.microsoft.com/office/powerpoint/2010/main" val="1638293196"/>
-      </p:ext>
-    </p:extLst>
   </p:cSld>
   <p:clrMapOvr>
     <a:masterClrMapping/>
@@ -7426,8 +7623,6 @@
       </a:bgFillStyleLst>
     </a:fmtScheme>
   </a:themeElements>
-  <a:objectDefaults/>
-  <a:extraClrSchemeLst/>
   <a:extLst>
     <a:ext uri="{05A4C25C-085E-4340-85A3-A5531E510DB2}">
       <thm15:themeFamily xmlns:thm15="http://schemas.microsoft.com/office/thememl/2012/main" name="Office Theme" id="{62F939B6-93AF-4DB8-9C6B-D6C7DFDC589F}" vid="{4A3C46E8-61CC-4603-A589-7422A47A8E4A}"/>

--- a/doc/Java实现秒杀抢购.pptx
+++ b/doc/Java实现秒杀抢购.pptx
@@ -5,22 +5,23 @@
     <p:sldMasterId id="2147483648" r:id="rId1"/>
   </p:sldMasterIdLst>
   <p:sldIdLst>
-    <p:sldId id="256" r:id="rId3"/>
-    <p:sldId id="259" r:id="rId4"/>
-    <p:sldId id="262" r:id="rId5"/>
-    <p:sldId id="263" r:id="rId6"/>
-    <p:sldId id="271" r:id="rId7"/>
-    <p:sldId id="273" r:id="rId8"/>
-    <p:sldId id="275" r:id="rId9"/>
-    <p:sldId id="274" r:id="rId10"/>
-    <p:sldId id="272" r:id="rId11"/>
+    <p:sldId id="256" r:id="rId2"/>
+    <p:sldId id="259" r:id="rId3"/>
+    <p:sldId id="262" r:id="rId4"/>
+    <p:sldId id="263" r:id="rId5"/>
+    <p:sldId id="271" r:id="rId6"/>
+    <p:sldId id="273" r:id="rId7"/>
+    <p:sldId id="275" r:id="rId8"/>
+    <p:sldId id="274" r:id="rId9"/>
+    <p:sldId id="272" r:id="rId10"/>
+    <p:sldId id="276" r:id="rId11"/>
     <p:sldId id="270" r:id="rId12"/>
     <p:sldId id="265" r:id="rId13"/>
     <p:sldId id="266" r:id="rId14"/>
     <p:sldId id="268" r:id="rId15"/>
   </p:sldIdLst>
   <p:sldSz cx="12192000" cy="6858000"/>
-  <p:notesSz cx="7103745" cy="10234295"/>
+  <p:notesSz cx="7104063" cy="10234613"/>
   <p:defaultTextStyle>
     <a:defPPr>
       <a:defRPr lang="zh-CN"/>
@@ -116,6 +117,11 @@
       </a:defRPr>
     </a:lvl9pPr>
   </p:defaultTextStyle>
+  <p:extLst>
+    <p:ext uri="{EFAFB233-063F-42B5-8137-9DF3F51BA10A}">
+      <p15:sldGuideLst xmlns:p15="http://schemas.microsoft.com/office/powerpoint/2012/main"/>
+    </p:ext>
+  </p:extLst>
 </p:presentation>
 </file>
 
@@ -250,6 +256,7 @@
           <a:p>
             <a:fld id="{82F288E0-7875-42C4-84C8-98DBBD3BF4D2}" type="datetimeFigureOut">
               <a:rPr lang="zh-CN" altLang="en-US" smtClean="0"/>
+              <a:t>2019/4/21</a:t>
             </a:fld>
             <a:endParaRPr lang="zh-CN" altLang="en-US"/>
           </a:p>
@@ -291,6 +298,7 @@
           <a:p>
             <a:fld id="{7D9BB5D0-35E4-459D-AEF3-FE4D7C45CC19}" type="slidenum">
               <a:rPr lang="zh-CN" altLang="en-US" smtClean="0"/>
+              <a:t>‹#›</a:t>
             </a:fld>
             <a:endParaRPr lang="zh-CN" altLang="en-US"/>
           </a:p>
@@ -346,7 +354,6 @@
               <a:rPr lang="zh-CN" altLang="en-US" smtClean="0"/>
               <a:t>单击此处编辑母版文本样式</a:t>
             </a:r>
-            <a:endParaRPr lang="zh-CN" altLang="en-US" smtClean="0"/>
           </a:p>
           <a:p>
             <a:pPr lvl="1"/>
@@ -354,7 +361,6 @@
               <a:rPr lang="zh-CN" altLang="en-US" smtClean="0"/>
               <a:t>第二级</a:t>
             </a:r>
-            <a:endParaRPr lang="zh-CN" altLang="en-US" smtClean="0"/>
           </a:p>
           <a:p>
             <a:pPr lvl="2"/>
@@ -362,7 +368,6 @@
               <a:rPr lang="zh-CN" altLang="en-US" smtClean="0"/>
               <a:t>第三级</a:t>
             </a:r>
-            <a:endParaRPr lang="zh-CN" altLang="en-US" smtClean="0"/>
           </a:p>
           <a:p>
             <a:pPr lvl="3"/>
@@ -370,7 +375,6 @@
               <a:rPr lang="zh-CN" altLang="en-US" smtClean="0"/>
               <a:t>第四级</a:t>
             </a:r>
-            <a:endParaRPr lang="zh-CN" altLang="en-US" smtClean="0"/>
           </a:p>
           <a:p>
             <a:pPr lvl="4"/>
@@ -399,6 +403,7 @@
           <a:p>
             <a:fld id="{82F288E0-7875-42C4-84C8-98DBBD3BF4D2}" type="datetimeFigureOut">
               <a:rPr lang="zh-CN" altLang="en-US" smtClean="0"/>
+              <a:t>2019/4/21</a:t>
             </a:fld>
             <a:endParaRPr lang="zh-CN" altLang="en-US"/>
           </a:p>
@@ -440,6 +445,7 @@
           <a:p>
             <a:fld id="{7D9BB5D0-35E4-459D-AEF3-FE4D7C45CC19}" type="slidenum">
               <a:rPr lang="zh-CN" altLang="en-US" smtClean="0"/>
+              <a:t>‹#›</a:t>
             </a:fld>
             <a:endParaRPr lang="zh-CN" altLang="en-US"/>
           </a:p>
@@ -513,7 +519,6 @@
               <a:rPr lang="zh-CN" altLang="en-US" smtClean="0"/>
               <a:t>单击此处编辑母版文本样式</a:t>
             </a:r>
-            <a:endParaRPr lang="zh-CN" altLang="en-US" smtClean="0"/>
           </a:p>
           <a:p>
             <a:pPr lvl="1"/>
@@ -521,7 +526,6 @@
               <a:rPr lang="zh-CN" altLang="en-US" smtClean="0"/>
               <a:t>第二级</a:t>
             </a:r>
-            <a:endParaRPr lang="zh-CN" altLang="en-US" smtClean="0"/>
           </a:p>
           <a:p>
             <a:pPr lvl="2"/>
@@ -529,7 +533,6 @@
               <a:rPr lang="zh-CN" altLang="en-US" smtClean="0"/>
               <a:t>第三级</a:t>
             </a:r>
-            <a:endParaRPr lang="zh-CN" altLang="en-US" smtClean="0"/>
           </a:p>
           <a:p>
             <a:pPr lvl="3"/>
@@ -537,7 +540,6 @@
               <a:rPr lang="zh-CN" altLang="en-US" smtClean="0"/>
               <a:t>第四级</a:t>
             </a:r>
-            <a:endParaRPr lang="zh-CN" altLang="en-US" smtClean="0"/>
           </a:p>
           <a:p>
             <a:pPr lvl="4"/>
@@ -566,6 +568,7 @@
           <a:p>
             <a:fld id="{82F288E0-7875-42C4-84C8-98DBBD3BF4D2}" type="datetimeFigureOut">
               <a:rPr lang="zh-CN" altLang="en-US" smtClean="0"/>
+              <a:t>2019/4/21</a:t>
             </a:fld>
             <a:endParaRPr lang="zh-CN" altLang="en-US"/>
           </a:p>
@@ -607,6 +610,7 @@
           <a:p>
             <a:fld id="{7D9BB5D0-35E4-459D-AEF3-FE4D7C45CC19}" type="slidenum">
               <a:rPr lang="zh-CN" altLang="en-US" smtClean="0"/>
+              <a:t>‹#›</a:t>
             </a:fld>
             <a:endParaRPr lang="zh-CN" altLang="en-US"/>
           </a:p>
@@ -785,7 +789,6 @@
               <a:rPr lang="zh-CN" altLang="en-US" smtClean="0"/>
               <a:t>单击此处编辑母版文本样式</a:t>
             </a:r>
-            <a:endParaRPr lang="zh-CN" altLang="en-US" smtClean="0"/>
           </a:p>
         </p:txBody>
       </p:sp>
@@ -806,6 +809,7 @@
           <a:p>
             <a:fld id="{82F288E0-7875-42C4-84C8-98DBBD3BF4D2}" type="datetimeFigureOut">
               <a:rPr lang="zh-CN" altLang="en-US" smtClean="0"/>
+              <a:t>2019/4/21</a:t>
             </a:fld>
             <a:endParaRPr lang="zh-CN" altLang="en-US"/>
           </a:p>
@@ -847,6 +851,7 @@
           <a:p>
             <a:fld id="{7D9BB5D0-35E4-459D-AEF3-FE4D7C45CC19}" type="slidenum">
               <a:rPr lang="zh-CN" altLang="en-US" smtClean="0"/>
+              <a:t>‹#›</a:t>
             </a:fld>
             <a:endParaRPr lang="zh-CN" altLang="en-US"/>
           </a:p>
@@ -925,7 +930,6 @@
               <a:rPr lang="zh-CN" altLang="en-US" smtClean="0"/>
               <a:t>单击此处编辑母版文本样式</a:t>
             </a:r>
-            <a:endParaRPr lang="zh-CN" altLang="en-US" smtClean="0"/>
           </a:p>
           <a:p>
             <a:pPr lvl="1"/>
@@ -933,7 +937,6 @@
               <a:rPr lang="zh-CN" altLang="en-US" smtClean="0"/>
               <a:t>第二级</a:t>
             </a:r>
-            <a:endParaRPr lang="zh-CN" altLang="en-US" smtClean="0"/>
           </a:p>
           <a:p>
             <a:pPr lvl="2"/>
@@ -941,7 +944,6 @@
               <a:rPr lang="zh-CN" altLang="en-US" smtClean="0"/>
               <a:t>第三级</a:t>
             </a:r>
-            <a:endParaRPr lang="zh-CN" altLang="en-US" smtClean="0"/>
           </a:p>
           <a:p>
             <a:pPr lvl="3"/>
@@ -949,7 +951,6 @@
               <a:rPr lang="zh-CN" altLang="en-US" smtClean="0"/>
               <a:t>第四级</a:t>
             </a:r>
-            <a:endParaRPr lang="zh-CN" altLang="en-US" smtClean="0"/>
           </a:p>
           <a:p>
             <a:pPr lvl="4"/>
@@ -986,7 +987,6 @@
               <a:rPr lang="zh-CN" altLang="en-US" smtClean="0"/>
               <a:t>单击此处编辑母版文本样式</a:t>
             </a:r>
-            <a:endParaRPr lang="zh-CN" altLang="en-US" smtClean="0"/>
           </a:p>
           <a:p>
             <a:pPr lvl="1"/>
@@ -994,7 +994,6 @@
               <a:rPr lang="zh-CN" altLang="en-US" smtClean="0"/>
               <a:t>第二级</a:t>
             </a:r>
-            <a:endParaRPr lang="zh-CN" altLang="en-US" smtClean="0"/>
           </a:p>
           <a:p>
             <a:pPr lvl="2"/>
@@ -1002,7 +1001,6 @@
               <a:rPr lang="zh-CN" altLang="en-US" smtClean="0"/>
               <a:t>第三级</a:t>
             </a:r>
-            <a:endParaRPr lang="zh-CN" altLang="en-US" smtClean="0"/>
           </a:p>
           <a:p>
             <a:pPr lvl="3"/>
@@ -1010,7 +1008,6 @@
               <a:rPr lang="zh-CN" altLang="en-US" smtClean="0"/>
               <a:t>第四级</a:t>
             </a:r>
-            <a:endParaRPr lang="zh-CN" altLang="en-US" smtClean="0"/>
           </a:p>
           <a:p>
             <a:pPr lvl="4"/>
@@ -1039,6 +1036,7 @@
           <a:p>
             <a:fld id="{82F288E0-7875-42C4-84C8-98DBBD3BF4D2}" type="datetimeFigureOut">
               <a:rPr lang="zh-CN" altLang="en-US" smtClean="0"/>
+              <a:t>2019/4/21</a:t>
             </a:fld>
             <a:endParaRPr lang="zh-CN" altLang="en-US"/>
           </a:p>
@@ -1080,6 +1078,7 @@
           <a:p>
             <a:fld id="{7D9BB5D0-35E4-459D-AEF3-FE4D7C45CC19}" type="slidenum">
               <a:rPr lang="zh-CN" altLang="en-US" smtClean="0"/>
+              <a:t>‹#›</a:t>
             </a:fld>
             <a:endParaRPr lang="zh-CN" altLang="en-US"/>
           </a:p>
@@ -1200,7 +1199,6 @@
               <a:rPr lang="zh-CN" altLang="en-US" smtClean="0"/>
               <a:t>单击此处编辑母版文本样式</a:t>
             </a:r>
-            <a:endParaRPr lang="zh-CN" altLang="en-US" smtClean="0"/>
           </a:p>
         </p:txBody>
       </p:sp>
@@ -1229,7 +1227,6 @@
               <a:rPr lang="zh-CN" altLang="en-US" smtClean="0"/>
               <a:t>单击此处编辑母版文本样式</a:t>
             </a:r>
-            <a:endParaRPr lang="zh-CN" altLang="en-US" smtClean="0"/>
           </a:p>
           <a:p>
             <a:pPr lvl="1"/>
@@ -1237,7 +1234,6 @@
               <a:rPr lang="zh-CN" altLang="en-US" smtClean="0"/>
               <a:t>第二级</a:t>
             </a:r>
-            <a:endParaRPr lang="zh-CN" altLang="en-US" smtClean="0"/>
           </a:p>
           <a:p>
             <a:pPr lvl="2"/>
@@ -1245,7 +1241,6 @@
               <a:rPr lang="zh-CN" altLang="en-US" smtClean="0"/>
               <a:t>第三级</a:t>
             </a:r>
-            <a:endParaRPr lang="zh-CN" altLang="en-US" smtClean="0"/>
           </a:p>
           <a:p>
             <a:pPr lvl="3"/>
@@ -1253,7 +1248,6 @@
               <a:rPr lang="zh-CN" altLang="en-US" smtClean="0"/>
               <a:t>第四级</a:t>
             </a:r>
-            <a:endParaRPr lang="zh-CN" altLang="en-US" smtClean="0"/>
           </a:p>
           <a:p>
             <a:pPr lvl="4"/>
@@ -1327,7 +1321,6 @@
               <a:rPr lang="zh-CN" altLang="en-US" smtClean="0"/>
               <a:t>单击此处编辑母版文本样式</a:t>
             </a:r>
-            <a:endParaRPr lang="zh-CN" altLang="en-US" smtClean="0"/>
           </a:p>
         </p:txBody>
       </p:sp>
@@ -1356,7 +1349,6 @@
               <a:rPr lang="zh-CN" altLang="en-US" smtClean="0"/>
               <a:t>单击此处编辑母版文本样式</a:t>
             </a:r>
-            <a:endParaRPr lang="zh-CN" altLang="en-US" smtClean="0"/>
           </a:p>
           <a:p>
             <a:pPr lvl="1"/>
@@ -1364,7 +1356,6 @@
               <a:rPr lang="zh-CN" altLang="en-US" smtClean="0"/>
               <a:t>第二级</a:t>
             </a:r>
-            <a:endParaRPr lang="zh-CN" altLang="en-US" smtClean="0"/>
           </a:p>
           <a:p>
             <a:pPr lvl="2"/>
@@ -1372,7 +1363,6 @@
               <a:rPr lang="zh-CN" altLang="en-US" smtClean="0"/>
               <a:t>第三级</a:t>
             </a:r>
-            <a:endParaRPr lang="zh-CN" altLang="en-US" smtClean="0"/>
           </a:p>
           <a:p>
             <a:pPr lvl="3"/>
@@ -1380,7 +1370,6 @@
               <a:rPr lang="zh-CN" altLang="en-US" smtClean="0"/>
               <a:t>第四级</a:t>
             </a:r>
-            <a:endParaRPr lang="zh-CN" altLang="en-US" smtClean="0"/>
           </a:p>
           <a:p>
             <a:pPr lvl="4"/>
@@ -1409,6 +1398,7 @@
           <a:p>
             <a:fld id="{82F288E0-7875-42C4-84C8-98DBBD3BF4D2}" type="datetimeFigureOut">
               <a:rPr lang="zh-CN" altLang="en-US" smtClean="0"/>
+              <a:t>2019/4/21</a:t>
             </a:fld>
             <a:endParaRPr lang="zh-CN" altLang="en-US"/>
           </a:p>
@@ -1450,6 +1440,7 @@
           <a:p>
             <a:fld id="{7D9BB5D0-35E4-459D-AEF3-FE4D7C45CC19}" type="slidenum">
               <a:rPr lang="zh-CN" altLang="en-US" smtClean="0"/>
+              <a:t>‹#›</a:t>
             </a:fld>
             <a:endParaRPr lang="zh-CN" altLang="en-US"/>
           </a:p>
@@ -1520,6 +1511,7 @@
           <a:p>
             <a:fld id="{82F288E0-7875-42C4-84C8-98DBBD3BF4D2}" type="datetimeFigureOut">
               <a:rPr lang="zh-CN" altLang="en-US" smtClean="0"/>
+              <a:t>2019/4/21</a:t>
             </a:fld>
             <a:endParaRPr lang="zh-CN" altLang="en-US"/>
           </a:p>
@@ -1561,6 +1553,7 @@
           <a:p>
             <a:fld id="{7D9BB5D0-35E4-459D-AEF3-FE4D7C45CC19}" type="slidenum">
               <a:rPr lang="zh-CN" altLang="en-US" smtClean="0"/>
+              <a:t>‹#›</a:t>
             </a:fld>
             <a:endParaRPr lang="zh-CN" altLang="en-US"/>
           </a:p>
@@ -1608,6 +1601,7 @@
           <a:p>
             <a:fld id="{82F288E0-7875-42C4-84C8-98DBBD3BF4D2}" type="datetimeFigureOut">
               <a:rPr lang="zh-CN" altLang="en-US" smtClean="0"/>
+              <a:t>2019/4/21</a:t>
             </a:fld>
             <a:endParaRPr lang="zh-CN" altLang="en-US"/>
           </a:p>
@@ -1649,6 +1643,7 @@
           <a:p>
             <a:fld id="{7D9BB5D0-35E4-459D-AEF3-FE4D7C45CC19}" type="slidenum">
               <a:rPr lang="zh-CN" altLang="en-US" smtClean="0"/>
+              <a:t>‹#›</a:t>
             </a:fld>
             <a:endParaRPr lang="zh-CN" altLang="en-US"/>
           </a:p>
@@ -1834,7 +1829,6 @@
               <a:rPr lang="zh-CN" altLang="en-US" smtClean="0"/>
               <a:t>单击此处编辑母版文本样式</a:t>
             </a:r>
-            <a:endParaRPr lang="zh-CN" altLang="en-US" smtClean="0"/>
           </a:p>
         </p:txBody>
       </p:sp>
@@ -1855,6 +1849,7 @@
           <a:p>
             <a:fld id="{82F288E0-7875-42C4-84C8-98DBBD3BF4D2}" type="datetimeFigureOut">
               <a:rPr lang="zh-CN" altLang="en-US" smtClean="0"/>
+              <a:t>2019/4/21</a:t>
             </a:fld>
             <a:endParaRPr lang="zh-CN" altLang="en-US"/>
           </a:p>
@@ -1896,6 +1891,7 @@
           <a:p>
             <a:fld id="{7D9BB5D0-35E4-459D-AEF3-FE4D7C45CC19}" type="slidenum">
               <a:rPr lang="zh-CN" altLang="en-US" smtClean="0"/>
+              <a:t>‹#›</a:t>
             </a:fld>
             <a:endParaRPr lang="zh-CN" altLang="en-US"/>
           </a:p>
@@ -1979,7 +1975,6 @@
               <a:rPr lang="zh-CN" altLang="en-US" smtClean="0"/>
               <a:t>单击此处编辑母版文本样式</a:t>
             </a:r>
-            <a:endParaRPr lang="zh-CN" altLang="en-US" smtClean="0"/>
           </a:p>
           <a:p>
             <a:pPr lvl="1"/>
@@ -1987,7 +1982,6 @@
               <a:rPr lang="zh-CN" altLang="en-US" smtClean="0"/>
               <a:t>第二级</a:t>
             </a:r>
-            <a:endParaRPr lang="zh-CN" altLang="en-US" smtClean="0"/>
           </a:p>
           <a:p>
             <a:pPr lvl="2"/>
@@ -1995,7 +1989,6 @@
               <a:rPr lang="zh-CN" altLang="en-US" smtClean="0"/>
               <a:t>第三级</a:t>
             </a:r>
-            <a:endParaRPr lang="zh-CN" altLang="en-US" smtClean="0"/>
           </a:p>
           <a:p>
             <a:pPr lvl="3"/>
@@ -2003,7 +1996,6 @@
               <a:rPr lang="zh-CN" altLang="en-US" smtClean="0"/>
               <a:t>第四级</a:t>
             </a:r>
-            <a:endParaRPr lang="zh-CN" altLang="en-US" smtClean="0"/>
           </a:p>
           <a:p>
             <a:pPr lvl="4"/>
@@ -2032,6 +2024,7 @@
           <a:p>
             <a:fld id="{82F288E0-7875-42C4-84C8-98DBBD3BF4D2}" type="datetimeFigureOut">
               <a:rPr lang="zh-CN" altLang="en-US" smtClean="0"/>
+              <a:t>2019/4/21</a:t>
             </a:fld>
             <a:endParaRPr lang="zh-CN" altLang="en-US"/>
           </a:p>
@@ -2073,6 +2066,7 @@
           <a:p>
             <a:fld id="{7D9BB5D0-35E4-459D-AEF3-FE4D7C45CC19}" type="slidenum">
               <a:rPr lang="zh-CN" altLang="en-US" smtClean="0"/>
+              <a:t>‹#›</a:t>
             </a:fld>
             <a:endParaRPr lang="zh-CN" altLang="en-US"/>
           </a:p>
@@ -2171,7 +2165,6 @@
               <a:rPr lang="zh-CN" altLang="en-US" smtClean="0"/>
               <a:t>单击此处编辑母版文本样式</a:t>
             </a:r>
-            <a:endParaRPr lang="zh-CN" altLang="en-US" smtClean="0"/>
           </a:p>
           <a:p>
             <a:pPr lvl="1"/>
@@ -2179,7 +2172,6 @@
               <a:rPr lang="zh-CN" altLang="en-US" smtClean="0"/>
               <a:t>第二级</a:t>
             </a:r>
-            <a:endParaRPr lang="zh-CN" altLang="en-US" smtClean="0"/>
           </a:p>
           <a:p>
             <a:pPr lvl="2"/>
@@ -2187,7 +2179,6 @@
               <a:rPr lang="zh-CN" altLang="en-US" smtClean="0"/>
               <a:t>第三级</a:t>
             </a:r>
-            <a:endParaRPr lang="zh-CN" altLang="en-US" smtClean="0"/>
           </a:p>
           <a:p>
             <a:pPr lvl="3"/>
@@ -2195,7 +2186,6 @@
               <a:rPr lang="zh-CN" altLang="en-US" smtClean="0"/>
               <a:t>第四级</a:t>
             </a:r>
-            <a:endParaRPr lang="zh-CN" altLang="en-US" smtClean="0"/>
           </a:p>
           <a:p>
             <a:pPr lvl="4"/>
@@ -2242,6 +2232,7 @@
           <a:p>
             <a:fld id="{82F288E0-7875-42C4-84C8-98DBBD3BF4D2}" type="datetimeFigureOut">
               <a:rPr lang="zh-CN" altLang="en-US" smtClean="0"/>
+              <a:t>2019/4/21</a:t>
             </a:fld>
             <a:endParaRPr lang="zh-CN" altLang="en-US"/>
           </a:p>
@@ -2319,6 +2310,7 @@
           <a:p>
             <a:fld id="{7D9BB5D0-35E4-459D-AEF3-FE4D7C45CC19}" type="slidenum">
               <a:rPr lang="zh-CN" altLang="en-US" smtClean="0"/>
+              <a:t>‹#›</a:t>
             </a:fld>
             <a:endParaRPr lang="zh-CN" altLang="en-US"/>
           </a:p>
@@ -2686,7 +2678,7 @@
           <p:nvPr/>
         </p:nvPicPr>
         <p:blipFill>
-          <a:blip r:embed="rId1"/>
+          <a:blip r:embed="rId2"/>
           <a:stretch>
             <a:fillRect/>
           </a:stretch>
@@ -2781,15 +2773,6 @@
               </a:rPr>
               <a:t>COMMODITY DESIGN OF LARGE-SCALE E-COMMERCE SYSTEM</a:t>
             </a:r>
-            <a:endParaRPr lang="en-US" altLang="zh-CN" sz="1400">
-              <a:solidFill>
-                <a:schemeClr val="bg1">
-                  <a:alpha val="36000"/>
-                </a:schemeClr>
-              </a:solidFill>
-              <a:latin typeface="微软雅黑" panose="020B0503020204020204" charset="-122"/>
-              <a:ea typeface="微软雅黑" panose="020B0503020204020204" charset="-122"/>
-            </a:endParaRPr>
           </a:p>
         </p:txBody>
       </p:sp>
@@ -2848,7 +2831,7 @@
           </p:nvPr>
         </p:nvPicPr>
         <p:blipFill>
-          <a:blip r:embed="rId1"/>
+          <a:blip r:embed="rId2"/>
           <a:stretch>
             <a:fillRect/>
           </a:stretch>
@@ -2871,7 +2854,7 @@
         </p:nvSpPr>
         <p:spPr>
           <a:xfrm>
-            <a:off x="222422" y="481330"/>
+            <a:off x="158579" y="463866"/>
             <a:ext cx="11195221" cy="523220"/>
           </a:xfrm>
           <a:prstGeom prst="rect">
@@ -2886,89 +2869,41 @@
           <a:lstStyle/>
           <a:p>
             <a:r>
-              <a:rPr lang="zh-CN" altLang="en-US" sz="2800" b="1" dirty="0" smtClean="0">
+              <a:rPr lang="zh-CN" altLang="en-US" sz="2800" b="1" dirty="0">
                 <a:solidFill>
                   <a:schemeClr val="bg1"/>
                 </a:solidFill>
-                <a:latin typeface="微软雅黑" panose="020B0503020204020204" charset="-122"/>
-                <a:ea typeface="微软雅黑" panose="020B0503020204020204" charset="-122"/>
-                <a:sym typeface="+mn-ea"/>
-              </a:rPr>
-              <a:t>第五期计划</a:t>
-            </a:r>
-            <a:r>
-              <a:rPr lang="en-US" altLang="zh-CN" sz="2800" b="1" dirty="0" smtClean="0">
+                <a:latin typeface="华文楷体" panose="02010600040101010101" pitchFamily="2" charset="-122"/>
+                <a:ea typeface="华文楷体" panose="02010600040101010101" pitchFamily="2" charset="-122"/>
+              </a:rPr>
+              <a:t>秒杀抢购修改库存如何减少数据库</a:t>
+            </a:r>
+            <a:r>
+              <a:rPr lang="en-US" altLang="zh-CN" sz="2800" b="1" dirty="0">
                 <a:solidFill>
                   <a:schemeClr val="bg1"/>
                 </a:solidFill>
-                <a:latin typeface="微软雅黑" panose="020B0503020204020204" charset="-122"/>
-                <a:ea typeface="微软雅黑" panose="020B0503020204020204" charset="-122"/>
-                <a:sym typeface="+mn-ea"/>
-              </a:rPr>
-              <a:t>2019</a:t>
-            </a:r>
-            <a:r>
-              <a:rPr lang="zh-CN" altLang="en-US" sz="2800" b="1" dirty="0" smtClean="0">
+                <a:latin typeface="华文楷体" panose="02010600040101010101" pitchFamily="2" charset="-122"/>
+                <a:ea typeface="华文楷体" panose="02010600040101010101" pitchFamily="2" charset="-122"/>
+              </a:rPr>
+              <a:t>IO</a:t>
+            </a:r>
+            <a:r>
+              <a:rPr lang="zh-CN" altLang="en-US" sz="2800" b="1" dirty="0">
                 <a:solidFill>
                   <a:schemeClr val="bg1"/>
                 </a:solidFill>
-                <a:latin typeface="微软雅黑" panose="020B0503020204020204" charset="-122"/>
-                <a:ea typeface="微软雅黑" panose="020B0503020204020204" charset="-122"/>
-                <a:sym typeface="+mn-ea"/>
-              </a:rPr>
-              <a:t>年</a:t>
-            </a:r>
-            <a:r>
-              <a:rPr lang="en-US" altLang="zh-CN" sz="2800" b="1" dirty="0" smtClean="0">
-                <a:solidFill>
-                  <a:schemeClr val="bg1"/>
-                </a:solidFill>
-                <a:latin typeface="微软雅黑" panose="020B0503020204020204" charset="-122"/>
-                <a:ea typeface="微软雅黑" panose="020B0503020204020204" charset="-122"/>
-                <a:sym typeface="+mn-ea"/>
-              </a:rPr>
-              <a:t>5</a:t>
-            </a:r>
-            <a:r>
-              <a:rPr lang="zh-CN" altLang="en-US" sz="2800" b="1" dirty="0" smtClean="0">
-                <a:solidFill>
-                  <a:schemeClr val="bg1"/>
-                </a:solidFill>
-                <a:latin typeface="微软雅黑" panose="020B0503020204020204" charset="-122"/>
-                <a:ea typeface="微软雅黑" panose="020B0503020204020204" charset="-122"/>
-                <a:sym typeface="+mn-ea"/>
-              </a:rPr>
-              <a:t>月</a:t>
-            </a:r>
-            <a:r>
-              <a:rPr lang="en-US" altLang="zh-CN" sz="2800" b="1" dirty="0" smtClean="0">
-                <a:solidFill>
-                  <a:schemeClr val="bg1"/>
-                </a:solidFill>
-                <a:latin typeface="微软雅黑" panose="020B0503020204020204" charset="-122"/>
-                <a:ea typeface="微软雅黑" panose="020B0503020204020204" charset="-122"/>
-                <a:sym typeface="+mn-ea"/>
-              </a:rPr>
-              <a:t>5</a:t>
-            </a:r>
-            <a:r>
-              <a:rPr lang="zh-CN" altLang="en-US" sz="2800" b="1" dirty="0" smtClean="0">
-                <a:solidFill>
-                  <a:schemeClr val="bg1"/>
-                </a:solidFill>
-                <a:latin typeface="微软雅黑" panose="020B0503020204020204" charset="-122"/>
-                <a:ea typeface="微软雅黑" panose="020B0503020204020204" charset="-122"/>
-                <a:sym typeface="+mn-ea"/>
-              </a:rPr>
-              <a:t>日正式开班</a:t>
-            </a:r>
-            <a:endParaRPr lang="zh-CN" altLang="en-US" sz="2800" b="1" dirty="0" smtClean="0">
+                <a:latin typeface="华文楷体" panose="02010600040101010101" pitchFamily="2" charset="-122"/>
+                <a:ea typeface="华文楷体" panose="02010600040101010101" pitchFamily="2" charset="-122"/>
+              </a:rPr>
+              <a:t>操作</a:t>
+            </a:r>
+            <a:endParaRPr lang="en-US" altLang="zh-CN" sz="2800" b="1" dirty="0">
               <a:solidFill>
                 <a:schemeClr val="bg1"/>
               </a:solidFill>
-              <a:latin typeface="微软雅黑" panose="020B0503020204020204" charset="-122"/>
-              <a:ea typeface="微软雅黑" panose="020B0503020204020204" charset="-122"/>
-              <a:sym typeface="+mn-ea"/>
+              <a:latin typeface="华文楷体" panose="02010600040101010101" pitchFamily="2" charset="-122"/>
+              <a:ea typeface="华文楷体" panose="02010600040101010101" pitchFamily="2" charset="-122"/>
             </a:endParaRPr>
           </a:p>
         </p:txBody>
@@ -3012,14 +2947,14 @@
       </p:sp>
       <p:sp>
         <p:nvSpPr>
-          <p:cNvPr id="10" name="文本框 9"/>
+          <p:cNvPr id="11" name="文本框 10"/>
           <p:cNvSpPr txBox="1"/>
           <p:nvPr/>
         </p:nvSpPr>
         <p:spPr>
           <a:xfrm>
-            <a:off x="-12700" y="2063433"/>
-            <a:ext cx="12380633" cy="3970318"/>
+            <a:off x="111211" y="1819105"/>
+            <a:ext cx="11656540" cy="4247317"/>
           </a:xfrm>
           <a:prstGeom prst="rect">
             <a:avLst/>
@@ -3032,121 +2967,311 @@
           </a:bodyPr>
           <a:lstStyle/>
           <a:p>
+            <a:r>
+              <a:rPr lang="zh-CN" altLang="en-US" b="1" dirty="0" smtClean="0">
+                <a:latin typeface="华文楷体" panose="02010600040101010101" pitchFamily="2" charset="-122"/>
+                <a:ea typeface="华文楷体" panose="02010600040101010101" pitchFamily="2" charset="-122"/>
+              </a:rPr>
+              <a:t>在高并发情况下，如果突然有</a:t>
+            </a:r>
+            <a:r>
+              <a:rPr lang="en-US" altLang="zh-CN" b="1" dirty="0" smtClean="0">
+                <a:latin typeface="华文楷体" panose="02010600040101010101" pitchFamily="2" charset="-122"/>
+                <a:ea typeface="华文楷体" panose="02010600040101010101" pitchFamily="2" charset="-122"/>
+              </a:rPr>
+              <a:t>10</a:t>
+            </a:r>
+            <a:r>
+              <a:rPr lang="zh-CN" altLang="en-US" b="1" dirty="0" smtClean="0">
+                <a:latin typeface="华文楷体" panose="02010600040101010101" pitchFamily="2" charset="-122"/>
+                <a:ea typeface="华文楷体" panose="02010600040101010101" pitchFamily="2" charset="-122"/>
+              </a:rPr>
+              <a:t>万个不同用户的请求进行秒杀，但是商品的库存数量只有</a:t>
+            </a:r>
+            <a:r>
+              <a:rPr lang="en-US" altLang="zh-CN" b="1" dirty="0" smtClean="0">
+                <a:latin typeface="华文楷体" panose="02010600040101010101" pitchFamily="2" charset="-122"/>
+                <a:ea typeface="华文楷体" panose="02010600040101010101" pitchFamily="2" charset="-122"/>
+              </a:rPr>
+              <a:t>100</a:t>
+            </a:r>
+            <a:r>
+              <a:rPr lang="zh-CN" altLang="en-US" b="1" dirty="0" smtClean="0">
+                <a:latin typeface="华文楷体" panose="02010600040101010101" pitchFamily="2" charset="-122"/>
+                <a:ea typeface="华文楷体" panose="02010600040101010101" pitchFamily="2" charset="-122"/>
+              </a:rPr>
+              <a:t>个，那么这时候可能会出现</a:t>
+            </a:r>
+            <a:r>
+              <a:rPr lang="en-US" altLang="zh-CN" b="1" dirty="0" smtClean="0">
+                <a:latin typeface="华文楷体" panose="02010600040101010101" pitchFamily="2" charset="-122"/>
+                <a:ea typeface="华文楷体" panose="02010600040101010101" pitchFamily="2" charset="-122"/>
+              </a:rPr>
+              <a:t>10</a:t>
+            </a:r>
+            <a:r>
+              <a:rPr lang="zh-CN" altLang="en-US" b="1" dirty="0" smtClean="0">
+                <a:latin typeface="华文楷体" panose="02010600040101010101" pitchFamily="2" charset="-122"/>
+                <a:ea typeface="华文楷体" panose="02010600040101010101" pitchFamily="2" charset="-122"/>
+              </a:rPr>
+              <a:t>个请求执行修改秒杀库存</a:t>
+            </a:r>
+            <a:r>
+              <a:rPr lang="en-US" altLang="zh-CN" b="1" dirty="0" err="1" smtClean="0">
+                <a:latin typeface="华文楷体" panose="02010600040101010101" pitchFamily="2" charset="-122"/>
+                <a:ea typeface="华文楷体" panose="02010600040101010101" pitchFamily="2" charset="-122"/>
+              </a:rPr>
+              <a:t>sql</a:t>
+            </a:r>
+            <a:r>
+              <a:rPr lang="zh-CN" altLang="en-US" b="1" dirty="0" smtClean="0">
+                <a:latin typeface="华文楷体" panose="02010600040101010101" pitchFamily="2" charset="-122"/>
+                <a:ea typeface="华文楷体" panose="02010600040101010101" pitchFamily="2" charset="-122"/>
+              </a:rPr>
+              <a:t>语句，这时候可能会出现数据库访问压力承受不了？ </a:t>
+            </a:r>
+            <a:r>
+              <a:rPr lang="en-US" altLang="zh-CN" b="1" dirty="0" smtClean="0">
+                <a:latin typeface="华文楷体" panose="02010600040101010101" pitchFamily="2" charset="-122"/>
+                <a:ea typeface="华文楷体" panose="02010600040101010101" pitchFamily="2" charset="-122"/>
+              </a:rPr>
+              <a:t>-</a:t>
+            </a:r>
+            <a:r>
+              <a:rPr lang="zh-CN" altLang="en-US" b="1" dirty="0">
+                <a:latin typeface="华文楷体" panose="02010600040101010101" pitchFamily="2" charset="-122"/>
+                <a:ea typeface="华文楷体" panose="02010600040101010101" pitchFamily="2" charset="-122"/>
+              </a:rPr>
+              <a:t>秒杀抢购修改库存如何减少数据库</a:t>
+            </a:r>
+            <a:r>
+              <a:rPr lang="en-US" altLang="zh-CN" b="1" dirty="0">
+                <a:latin typeface="华文楷体" panose="02010600040101010101" pitchFamily="2" charset="-122"/>
+                <a:ea typeface="华文楷体" panose="02010600040101010101" pitchFamily="2" charset="-122"/>
+              </a:rPr>
+              <a:t>IO</a:t>
+            </a:r>
+            <a:r>
+              <a:rPr lang="zh-CN" altLang="en-US" b="1" dirty="0">
+                <a:latin typeface="华文楷体" panose="02010600040101010101" pitchFamily="2" charset="-122"/>
+                <a:ea typeface="华文楷体" panose="02010600040101010101" pitchFamily="2" charset="-122"/>
+              </a:rPr>
+              <a:t>操作</a:t>
+            </a:r>
             <a:endParaRPr lang="en-US" altLang="zh-CN" b="1" dirty="0" smtClean="0">
               <a:latin typeface="华文楷体" panose="02010600040101010101" pitchFamily="2" charset="-122"/>
               <a:ea typeface="华文楷体" panose="02010600040101010101" pitchFamily="2" charset="-122"/>
             </a:endParaRPr>
           </a:p>
           <a:p>
-            <a:r>
-              <a:rPr lang="zh-CN" altLang="en-US" b="1" dirty="0">
-                <a:latin typeface="华文楷体" panose="02010600040101010101" pitchFamily="2" charset="-122"/>
-                <a:ea typeface="华文楷体" panose="02010600040101010101" pitchFamily="2" charset="-122"/>
-              </a:rPr>
-              <a:t>今晚公开课限时</a:t>
-            </a:r>
+            <a:endParaRPr lang="en-US" altLang="zh-CN" b="1" dirty="0" smtClean="0">
+              <a:latin typeface="华文楷体" panose="02010600040101010101" pitchFamily="2" charset="-122"/>
+              <a:ea typeface="华文楷体" panose="02010600040101010101" pitchFamily="2" charset="-122"/>
+            </a:endParaRPr>
+          </a:p>
+          <a:p>
+            <a:r>
+              <a:rPr lang="zh-CN" altLang="en-US" b="1" dirty="0" smtClean="0">
+                <a:latin typeface="华文楷体" panose="02010600040101010101" pitchFamily="2" charset="-122"/>
+                <a:ea typeface="华文楷体" panose="02010600040101010101" pitchFamily="2" charset="-122"/>
+              </a:rPr>
+              <a:t>数据库分表分库、读写分离、使用</a:t>
+            </a:r>
+            <a:r>
+              <a:rPr lang="en-US" altLang="zh-CN" b="1" dirty="0" err="1" smtClean="0">
+                <a:latin typeface="华文楷体" panose="02010600040101010101" pitchFamily="2" charset="-122"/>
+                <a:ea typeface="华文楷体" panose="02010600040101010101" pitchFamily="2" charset="-122"/>
+              </a:rPr>
+              <a:t>redis</a:t>
+            </a:r>
+            <a:r>
+              <a:rPr lang="zh-CN" altLang="en-US" b="1" dirty="0" smtClean="0">
+                <a:latin typeface="华文楷体" panose="02010600040101010101" pitchFamily="2" charset="-122"/>
+                <a:ea typeface="华文楷体" panose="02010600040101010101" pitchFamily="2" charset="-122"/>
+              </a:rPr>
+              <a:t>缓存减去数据库访问压力</a:t>
+            </a:r>
+            <a:endParaRPr lang="en-US" altLang="zh-CN" b="1" dirty="0" smtClean="0">
+              <a:latin typeface="华文楷体" panose="02010600040101010101" pitchFamily="2" charset="-122"/>
+              <a:ea typeface="华文楷体" panose="02010600040101010101" pitchFamily="2" charset="-122"/>
+            </a:endParaRPr>
+          </a:p>
+          <a:p>
+            <a:endParaRPr lang="en-US" altLang="zh-CN" b="1" dirty="0">
+              <a:latin typeface="华文楷体" panose="02010600040101010101" pitchFamily="2" charset="-122"/>
+              <a:ea typeface="华文楷体" panose="02010600040101010101" pitchFamily="2" charset="-122"/>
+            </a:endParaRPr>
+          </a:p>
+          <a:p>
+            <a:r>
+              <a:rPr lang="zh-CN" altLang="en-US" b="1" dirty="0" smtClean="0">
+                <a:latin typeface="华文楷体" panose="02010600040101010101" pitchFamily="2" charset="-122"/>
+                <a:ea typeface="华文楷体" panose="02010600040101010101" pitchFamily="2" charset="-122"/>
+              </a:rPr>
+              <a:t>非常靠谱的秒杀方案 基于</a:t>
+            </a:r>
+            <a:r>
+              <a:rPr lang="en-US" altLang="zh-CN" b="1" dirty="0" smtClean="0">
+                <a:latin typeface="华文楷体" panose="02010600040101010101" pitchFamily="2" charset="-122"/>
+                <a:ea typeface="华文楷体" panose="02010600040101010101" pitchFamily="2" charset="-122"/>
+              </a:rPr>
+              <a:t>MQ+</a:t>
+            </a:r>
+            <a:r>
+              <a:rPr lang="zh-CN" altLang="en-US" b="1" dirty="0" smtClean="0">
+                <a:latin typeface="华文楷体" panose="02010600040101010101" pitchFamily="2" charset="-122"/>
+                <a:ea typeface="华文楷体" panose="02010600040101010101" pitchFamily="2" charset="-122"/>
+              </a:rPr>
+              <a:t>库存令牌桶实现</a:t>
+            </a:r>
+            <a:endParaRPr lang="en-US" altLang="zh-CN" b="1" dirty="0" smtClean="0">
+              <a:latin typeface="华文楷体" panose="02010600040101010101" pitchFamily="2" charset="-122"/>
+              <a:ea typeface="华文楷体" panose="02010600040101010101" pitchFamily="2" charset="-122"/>
+            </a:endParaRPr>
+          </a:p>
+          <a:p>
+            <a:endParaRPr lang="en-US" altLang="zh-CN" b="1" dirty="0">
+              <a:latin typeface="华文楷体" panose="02010600040101010101" pitchFamily="2" charset="-122"/>
+              <a:ea typeface="华文楷体" panose="02010600040101010101" pitchFamily="2" charset="-122"/>
+            </a:endParaRPr>
+          </a:p>
+          <a:p>
+            <a:r>
+              <a:rPr lang="zh-CN" altLang="en-US" b="1" dirty="0" smtClean="0">
+                <a:latin typeface="华文楷体" panose="02010600040101010101" pitchFamily="2" charset="-122"/>
+                <a:ea typeface="华文楷体" panose="02010600040101010101" pitchFamily="2" charset="-122"/>
+              </a:rPr>
+              <a:t>同时有</a:t>
+            </a:r>
+            <a:r>
+              <a:rPr lang="en-US" altLang="zh-CN" b="1" dirty="0" smtClean="0">
+                <a:latin typeface="华文楷体" panose="02010600040101010101" pitchFamily="2" charset="-122"/>
+                <a:ea typeface="华文楷体" panose="02010600040101010101" pitchFamily="2" charset="-122"/>
+              </a:rPr>
+              <a:t>10</a:t>
+            </a:r>
+            <a:r>
+              <a:rPr lang="zh-CN" altLang="en-US" b="1" dirty="0" smtClean="0">
+                <a:latin typeface="华文楷体" panose="02010600040101010101" pitchFamily="2" charset="-122"/>
+                <a:ea typeface="华文楷体" panose="02010600040101010101" pitchFamily="2" charset="-122"/>
+              </a:rPr>
+              <a:t>万个请求实现秒杀、商品库存只有</a:t>
+            </a:r>
+            <a:r>
+              <a:rPr lang="en-US" altLang="zh-CN" b="1" dirty="0" smtClean="0">
+                <a:latin typeface="华文楷体" panose="02010600040101010101" pitchFamily="2" charset="-122"/>
+                <a:ea typeface="华文楷体" panose="02010600040101010101" pitchFamily="2" charset="-122"/>
+              </a:rPr>
+              <a:t>100</a:t>
+            </a:r>
+            <a:r>
+              <a:rPr lang="zh-CN" altLang="en-US" b="1" dirty="0" smtClean="0">
+                <a:latin typeface="华文楷体" panose="02010600040101010101" pitchFamily="2" charset="-122"/>
+                <a:ea typeface="华文楷体" panose="02010600040101010101" pitchFamily="2" charset="-122"/>
+              </a:rPr>
+              <a:t>个 实现只需要修改库存</a:t>
+            </a:r>
+            <a:r>
+              <a:rPr lang="en-US" altLang="zh-CN" b="1" dirty="0" smtClean="0">
+                <a:latin typeface="华文楷体" panose="02010600040101010101" pitchFamily="2" charset="-122"/>
+                <a:ea typeface="华文楷体" panose="02010600040101010101" pitchFamily="2" charset="-122"/>
+              </a:rPr>
+              <a:t>100</a:t>
+            </a:r>
+            <a:r>
+              <a:rPr lang="zh-CN" altLang="en-US" b="1" dirty="0" smtClean="0">
+                <a:latin typeface="华文楷体" panose="02010600040101010101" pitchFamily="2" charset="-122"/>
+                <a:ea typeface="华文楷体" panose="02010600040101010101" pitchFamily="2" charset="-122"/>
+              </a:rPr>
+              <a:t>次就可以了</a:t>
+            </a:r>
+            <a:endParaRPr lang="en-US" altLang="zh-CN" b="1" dirty="0" smtClean="0">
+              <a:latin typeface="华文楷体" panose="02010600040101010101" pitchFamily="2" charset="-122"/>
+              <a:ea typeface="华文楷体" panose="02010600040101010101" pitchFamily="2" charset="-122"/>
+            </a:endParaRPr>
+          </a:p>
+          <a:p>
             <a:r>
               <a:rPr lang="en-US" altLang="zh-CN" b="1" dirty="0">
                 <a:latin typeface="华文楷体" panose="02010600040101010101" pitchFamily="2" charset="-122"/>
                 <a:ea typeface="华文楷体" panose="02010600040101010101" pitchFamily="2" charset="-122"/>
               </a:rPr>
-              <a:t>【5</a:t>
-            </a:r>
-            <a:r>
-              <a:rPr lang="zh-CN" altLang="en-US" b="1" dirty="0">
-                <a:latin typeface="华文楷体" panose="02010600040101010101" pitchFamily="2" charset="-122"/>
-                <a:ea typeface="华文楷体" panose="02010600040101010101" pitchFamily="2" charset="-122"/>
-              </a:rPr>
-              <a:t>名</a:t>
-            </a:r>
-            <a:r>
-              <a:rPr lang="en-US" altLang="zh-CN" b="1" dirty="0">
-                <a:latin typeface="华文楷体" panose="02010600040101010101" pitchFamily="2" charset="-122"/>
-                <a:ea typeface="华文楷体" panose="02010600040101010101" pitchFamily="2" charset="-122"/>
-              </a:rPr>
-              <a:t>】</a:t>
-            </a:r>
-            <a:r>
-              <a:rPr lang="zh-CN" altLang="en-US" b="1" dirty="0">
-                <a:latin typeface="华文楷体" panose="02010600040101010101" pitchFamily="2" charset="-122"/>
-                <a:ea typeface="华文楷体" panose="02010600040101010101" pitchFamily="2" charset="-122"/>
-              </a:rPr>
-              <a:t>学员，在原优惠</a:t>
-            </a:r>
-            <a:r>
-              <a:rPr lang="en-US" altLang="zh-CN" b="1" dirty="0">
-                <a:latin typeface="华文楷体" panose="02010600040101010101" pitchFamily="2" charset="-122"/>
-                <a:ea typeface="华文楷体" panose="02010600040101010101" pitchFamily="2" charset="-122"/>
-              </a:rPr>
-              <a:t>1500</a:t>
-            </a:r>
-            <a:r>
-              <a:rPr lang="zh-CN" altLang="en-US" b="1" dirty="0">
-                <a:latin typeface="华文楷体" panose="02010600040101010101" pitchFamily="2" charset="-122"/>
-                <a:ea typeface="华文楷体" panose="02010600040101010101" pitchFamily="2" charset="-122"/>
-              </a:rPr>
-              <a:t>元的基础上，“补贴”</a:t>
-            </a:r>
-            <a:r>
-              <a:rPr lang="en-US" altLang="zh-CN" b="1" dirty="0">
-                <a:latin typeface="华文楷体" panose="02010600040101010101" pitchFamily="2" charset="-122"/>
-                <a:ea typeface="华文楷体" panose="02010600040101010101" pitchFamily="2" charset="-122"/>
-              </a:rPr>
-              <a:t>300</a:t>
-            </a:r>
-            <a:r>
-              <a:rPr lang="zh-CN" altLang="en-US" b="1" dirty="0">
-                <a:latin typeface="华文楷体" panose="02010600040101010101" pitchFamily="2" charset="-122"/>
-                <a:ea typeface="华文楷体" panose="02010600040101010101" pitchFamily="2" charset="-122"/>
-              </a:rPr>
-              <a:t>元，限额优惠</a:t>
-            </a:r>
-            <a:r>
-              <a:rPr lang="en-US" altLang="zh-CN" b="1" dirty="0">
-                <a:latin typeface="华文楷体" panose="02010600040101010101" pitchFamily="2" charset="-122"/>
-                <a:ea typeface="华文楷体" panose="02010600040101010101" pitchFamily="2" charset="-122"/>
-              </a:rPr>
-              <a:t>4399</a:t>
-            </a:r>
-            <a:r>
-              <a:rPr lang="zh-CN" altLang="en-US" b="1" dirty="0">
-                <a:latin typeface="华文楷体" panose="02010600040101010101" pitchFamily="2" charset="-122"/>
-                <a:ea typeface="华文楷体" panose="02010600040101010101" pitchFamily="2" charset="-122"/>
-              </a:rPr>
-              <a:t>报名。</a:t>
-            </a:r>
-            <a:endParaRPr lang="zh-CN" altLang="en-US" b="1" dirty="0">
-              <a:latin typeface="华文楷体" panose="02010600040101010101" pitchFamily="2" charset="-122"/>
-              <a:ea typeface="华文楷体" panose="02010600040101010101" pitchFamily="2" charset="-122"/>
-            </a:endParaRPr>
-          </a:p>
-          <a:p>
-            <a:r>
-              <a:rPr lang="zh-CN" altLang="en-US" b="1" dirty="0">
-                <a:latin typeface="华文楷体" panose="02010600040101010101" pitchFamily="2" charset="-122"/>
-                <a:ea typeface="华文楷体" panose="02010600040101010101" pitchFamily="2" charset="-122"/>
-              </a:rPr>
-              <a:t>一次报名，终身学习</a:t>
-            </a:r>
-            <a:endParaRPr lang="zh-CN" altLang="en-US" b="1" dirty="0">
-              <a:latin typeface="华文楷体" panose="02010600040101010101" pitchFamily="2" charset="-122"/>
-              <a:ea typeface="华文楷体" panose="02010600040101010101" pitchFamily="2" charset="-122"/>
-            </a:endParaRPr>
-          </a:p>
-          <a:p>
-            <a:r>
-              <a:rPr lang="zh-CN" altLang="en-US" b="1" dirty="0">
-                <a:latin typeface="华文楷体" panose="02010600040101010101" pitchFamily="2" charset="-122"/>
-                <a:ea typeface="华文楷体" panose="02010600040101010101" pitchFamily="2" charset="-122"/>
-              </a:rPr>
-              <a:t>送蚂蚁课堂</a:t>
-            </a:r>
-            <a:r>
-              <a:rPr lang="en-US" altLang="zh-CN" b="1" dirty="0" err="1">
-                <a:latin typeface="华文楷体" panose="02010600040101010101" pitchFamily="2" charset="-122"/>
-                <a:ea typeface="华文楷体" panose="02010600040101010101" pitchFamily="2" charset="-122"/>
-              </a:rPr>
-              <a:t>vip</a:t>
+              <a:t> </a:t>
+            </a:r>
+            <a:r>
+              <a:rPr lang="zh-CN" altLang="en-US" b="1" dirty="0" smtClean="0">
+                <a:latin typeface="华文楷体" panose="02010600040101010101" pitchFamily="2" charset="-122"/>
+                <a:ea typeface="华文楷体" panose="02010600040101010101" pitchFamily="2" charset="-122"/>
+              </a:rPr>
+              <a:t>方案实现流程：提前对应的商品库存生成好对应令牌（</a:t>
+            </a:r>
+            <a:r>
+              <a:rPr lang="en-US" altLang="zh-CN" b="1" dirty="0" smtClean="0">
+                <a:latin typeface="华文楷体" panose="02010600040101010101" pitchFamily="2" charset="-122"/>
+                <a:ea typeface="华文楷体" panose="02010600040101010101" pitchFamily="2" charset="-122"/>
+              </a:rPr>
+              <a:t>100</a:t>
+            </a:r>
+            <a:r>
+              <a:rPr lang="zh-CN" altLang="en-US" b="1" dirty="0" smtClean="0">
+                <a:latin typeface="华文楷体" panose="02010600040101010101" pitchFamily="2" charset="-122"/>
+                <a:ea typeface="华文楷体" panose="02010600040101010101" pitchFamily="2" charset="-122"/>
+              </a:rPr>
+              <a:t>个令牌），在</a:t>
+            </a:r>
+            <a:r>
+              <a:rPr lang="en-US" altLang="zh-CN" b="1" dirty="0" smtClean="0">
+                <a:latin typeface="华文楷体" panose="02010600040101010101" pitchFamily="2" charset="-122"/>
+                <a:ea typeface="华文楷体" panose="02010600040101010101" pitchFamily="2" charset="-122"/>
+              </a:rPr>
+              <a:t>10</a:t>
+            </a:r>
+            <a:r>
+              <a:rPr lang="zh-CN" altLang="en-US" b="1" dirty="0" smtClean="0">
+                <a:latin typeface="华文楷体" panose="02010600040101010101" pitchFamily="2" charset="-122"/>
+                <a:ea typeface="华文楷体" panose="02010600040101010101" pitchFamily="2" charset="-122"/>
+              </a:rPr>
+              <a:t>万个请求中，只要谁能够获取到令牌谁就能够秒杀成功， 获取到秒杀令牌后，在使用</a:t>
+            </a:r>
+            <a:r>
+              <a:rPr lang="en-US" altLang="zh-CN" b="1" dirty="0" err="1" smtClean="0">
+                <a:latin typeface="华文楷体" panose="02010600040101010101" pitchFamily="2" charset="-122"/>
+                <a:ea typeface="华文楷体" panose="02010600040101010101" pitchFamily="2" charset="-122"/>
+              </a:rPr>
+              <a:t>mq</a:t>
+            </a:r>
+            <a:r>
+              <a:rPr lang="zh-CN" altLang="en-US" b="1" dirty="0" smtClean="0">
+                <a:latin typeface="华文楷体" panose="02010600040101010101" pitchFamily="2" charset="-122"/>
+                <a:ea typeface="华文楷体" panose="02010600040101010101" pitchFamily="2" charset="-122"/>
+              </a:rPr>
+              <a:t>异步实现修改减去库存。</a:t>
+            </a:r>
+            <a:endParaRPr lang="en-US" altLang="zh-CN" b="1" dirty="0" smtClean="0">
+              <a:latin typeface="华文楷体" panose="02010600040101010101" pitchFamily="2" charset="-122"/>
+              <a:ea typeface="华文楷体" panose="02010600040101010101" pitchFamily="2" charset="-122"/>
+            </a:endParaRPr>
+          </a:p>
+          <a:p>
+            <a:endParaRPr lang="en-US" altLang="zh-CN" b="1" dirty="0" smtClean="0">
+              <a:latin typeface="华文楷体" panose="02010600040101010101" pitchFamily="2" charset="-122"/>
+              <a:ea typeface="华文楷体" panose="02010600040101010101" pitchFamily="2" charset="-122"/>
+            </a:endParaRPr>
+          </a:p>
+          <a:p>
+            <a:r>
+              <a:rPr lang="en-US" altLang="zh-CN" b="1" dirty="0" smtClean="0">
+                <a:latin typeface="华文楷体" panose="02010600040101010101" pitchFamily="2" charset="-122"/>
+                <a:ea typeface="华文楷体" panose="02010600040101010101" pitchFamily="2" charset="-122"/>
+              </a:rPr>
+              <a:t>   </a:t>
+            </a:r>
+            <a:r>
+              <a:rPr lang="zh-CN" altLang="en-US" b="1" dirty="0" smtClean="0">
+                <a:latin typeface="华文楷体" panose="02010600040101010101" pitchFamily="2" charset="-122"/>
+                <a:ea typeface="华文楷体" panose="02010600040101010101" pitchFamily="2" charset="-122"/>
+              </a:rPr>
+              <a:t> </a:t>
             </a:r>
             <a:endParaRPr lang="en-US" altLang="zh-CN" b="1" dirty="0">
               <a:latin typeface="华文楷体" panose="02010600040101010101" pitchFamily="2" charset="-122"/>
@@ -3154,309 +3279,28 @@
             </a:endParaRPr>
           </a:p>
           <a:p>
+            <a:r>
+              <a:rPr lang="en-US" altLang="zh-CN" b="1" dirty="0" smtClean="0">
+                <a:latin typeface="华文楷体" panose="02010600040101010101" pitchFamily="2" charset="-122"/>
+                <a:ea typeface="华文楷体" panose="02010600040101010101" pitchFamily="2" charset="-122"/>
+              </a:rPr>
+              <a:t> </a:t>
+            </a:r>
+          </a:p>
+          <a:p>
             <a:endParaRPr lang="en-US" altLang="zh-CN" b="1" dirty="0">
               <a:latin typeface="华文楷体" panose="02010600040101010101" pitchFamily="2" charset="-122"/>
               <a:ea typeface="华文楷体" panose="02010600040101010101" pitchFamily="2" charset="-122"/>
             </a:endParaRPr>
           </a:p>
-          <a:p>
-            <a:endParaRPr lang="en-US" altLang="zh-CN" b="1" dirty="0" smtClean="0">
-              <a:latin typeface="华文楷体" panose="02010600040101010101" pitchFamily="2" charset="-122"/>
-              <a:ea typeface="华文楷体" panose="02010600040101010101" pitchFamily="2" charset="-122"/>
-            </a:endParaRPr>
-          </a:p>
-          <a:p>
-            <a:r>
-              <a:rPr lang="en-US" altLang="zh-CN" b="1" dirty="0" smtClean="0">
-                <a:latin typeface="华文楷体" panose="02010600040101010101" pitchFamily="2" charset="-122"/>
-                <a:ea typeface="华文楷体" panose="02010600040101010101" pitchFamily="2" charset="-122"/>
-              </a:rPr>
-              <a:t>1.</a:t>
-            </a:r>
-            <a:r>
-              <a:rPr lang="zh-CN" altLang="en-US" b="1" dirty="0" smtClean="0">
-                <a:latin typeface="华文楷体" panose="02010600040101010101" pitchFamily="2" charset="-122"/>
-                <a:ea typeface="华文楷体" panose="02010600040101010101" pitchFamily="2" charset="-122"/>
-              </a:rPr>
-              <a:t>第五期计划</a:t>
-            </a:r>
-            <a:r>
-              <a:rPr lang="en-US" altLang="zh-CN" b="1" dirty="0" smtClean="0">
-                <a:latin typeface="华文楷体" panose="02010600040101010101" pitchFamily="2" charset="-122"/>
-                <a:ea typeface="华文楷体" panose="02010600040101010101" pitchFamily="2" charset="-122"/>
-              </a:rPr>
-              <a:t>2019</a:t>
-            </a:r>
-            <a:r>
-              <a:rPr lang="zh-CN" altLang="en-US" b="1" dirty="0" smtClean="0">
-                <a:latin typeface="华文楷体" panose="02010600040101010101" pitchFamily="2" charset="-122"/>
-                <a:ea typeface="华文楷体" panose="02010600040101010101" pitchFamily="2" charset="-122"/>
-              </a:rPr>
-              <a:t>年</a:t>
-            </a:r>
-            <a:r>
-              <a:rPr lang="en-US" altLang="zh-CN" b="1" dirty="0" smtClean="0">
-                <a:latin typeface="华文楷体" panose="02010600040101010101" pitchFamily="2" charset="-122"/>
-                <a:ea typeface="华文楷体" panose="02010600040101010101" pitchFamily="2" charset="-122"/>
-              </a:rPr>
-              <a:t>5</a:t>
-            </a:r>
-            <a:r>
-              <a:rPr lang="zh-CN" altLang="en-US" b="1" dirty="0" smtClean="0">
-                <a:latin typeface="华文楷体" panose="02010600040101010101" pitchFamily="2" charset="-122"/>
-                <a:ea typeface="华文楷体" panose="02010600040101010101" pitchFamily="2" charset="-122"/>
-              </a:rPr>
-              <a:t>月</a:t>
-            </a:r>
-            <a:r>
-              <a:rPr lang="en-US" altLang="zh-CN" b="1" dirty="0" smtClean="0">
-                <a:latin typeface="华文楷体" panose="02010600040101010101" pitchFamily="2" charset="-122"/>
-                <a:ea typeface="华文楷体" panose="02010600040101010101" pitchFamily="2" charset="-122"/>
-              </a:rPr>
-              <a:t>5</a:t>
-            </a:r>
-            <a:r>
-              <a:rPr lang="zh-CN" altLang="en-US" b="1" dirty="0" smtClean="0">
-                <a:latin typeface="华文楷体" panose="02010600040101010101" pitchFamily="2" charset="-122"/>
-                <a:ea typeface="华文楷体" panose="02010600040101010101" pitchFamily="2" charset="-122"/>
-              </a:rPr>
-              <a:t>日正式开班，完全是从基础开始到分布式解决方案、</a:t>
-            </a:r>
-            <a:r>
-              <a:rPr lang="en-US" altLang="zh-CN" b="1" dirty="0" err="1" smtClean="0">
-                <a:latin typeface="华文楷体" panose="02010600040101010101" pitchFamily="2" charset="-122"/>
-                <a:ea typeface="华文楷体" panose="02010600040101010101" pitchFamily="2" charset="-122"/>
-              </a:rPr>
-              <a:t>vue+springcloud</a:t>
-            </a:r>
-            <a:r>
-              <a:rPr lang="zh-CN" altLang="en-US" b="1" dirty="0" smtClean="0">
-                <a:latin typeface="华文楷体" panose="02010600040101010101" pitchFamily="2" charset="-122"/>
-                <a:ea typeface="华文楷体" panose="02010600040101010101" pitchFamily="2" charset="-122"/>
-              </a:rPr>
-              <a:t>构建微服务电商项目。</a:t>
-            </a:r>
-            <a:endParaRPr lang="en-US" altLang="zh-CN" b="1" dirty="0" smtClean="0">
-              <a:latin typeface="华文楷体" panose="02010600040101010101" pitchFamily="2" charset="-122"/>
-              <a:ea typeface="华文楷体" panose="02010600040101010101" pitchFamily="2" charset="-122"/>
-            </a:endParaRPr>
-          </a:p>
-          <a:p>
-            <a:r>
-              <a:rPr lang="zh-CN" altLang="en-US" b="1" dirty="0" smtClean="0">
-                <a:latin typeface="华文楷体" panose="02010600040101010101" pitchFamily="2" charset="-122"/>
-                <a:ea typeface="华文楷体" panose="02010600040101010101" pitchFamily="2" charset="-122"/>
-              </a:rPr>
-              <a:t>新增数据结构与算法课程、大数据课程等，课程体系更加完善、更加底层，目标实现第五期培训后，月薪</a:t>
-            </a:r>
-            <a:r>
-              <a:rPr lang="en-US" altLang="zh-CN" b="1" dirty="0" smtClean="0">
-                <a:solidFill>
-                  <a:srgbClr val="FF0000"/>
-                </a:solidFill>
-                <a:latin typeface="华文楷体" panose="02010600040101010101" pitchFamily="2" charset="-122"/>
-                <a:ea typeface="华文楷体" panose="02010600040101010101" pitchFamily="2" charset="-122"/>
-              </a:rPr>
-              <a:t>3</a:t>
-            </a:r>
-            <a:r>
-              <a:rPr lang="zh-CN" altLang="en-US" b="1" dirty="0" smtClean="0">
-                <a:latin typeface="华文楷体" panose="02010600040101010101" pitchFamily="2" charset="-122"/>
-                <a:ea typeface="华文楷体" panose="02010600040101010101" pitchFamily="2" charset="-122"/>
-              </a:rPr>
-              <a:t>万</a:t>
-            </a:r>
-            <a:r>
-              <a:rPr lang="en-US" altLang="zh-CN" b="1" dirty="0" smtClean="0">
-                <a:latin typeface="华文楷体" panose="02010600040101010101" pitchFamily="2" charset="-122"/>
-                <a:ea typeface="华文楷体" panose="02010600040101010101" pitchFamily="2" charset="-122"/>
-              </a:rPr>
-              <a:t>+</a:t>
-            </a:r>
-            <a:endParaRPr lang="en-US" altLang="zh-CN" b="1" dirty="0" smtClean="0">
-              <a:latin typeface="华文楷体" panose="02010600040101010101" pitchFamily="2" charset="-122"/>
-              <a:ea typeface="华文楷体" panose="02010600040101010101" pitchFamily="2" charset="-122"/>
-            </a:endParaRPr>
-          </a:p>
-          <a:p>
-            <a:endParaRPr lang="en-US" altLang="zh-CN" b="1" dirty="0" smtClean="0">
-              <a:latin typeface="华文楷体" panose="02010600040101010101" pitchFamily="2" charset="-122"/>
-              <a:ea typeface="华文楷体" panose="02010600040101010101" pitchFamily="2" charset="-122"/>
-            </a:endParaRPr>
-          </a:p>
-          <a:p>
-            <a:r>
-              <a:rPr lang="en-US" altLang="zh-CN" b="1" dirty="0" smtClean="0">
-                <a:latin typeface="华文楷体" panose="02010600040101010101" pitchFamily="2" charset="-122"/>
-                <a:ea typeface="华文楷体" panose="02010600040101010101" pitchFamily="2" charset="-122"/>
-              </a:rPr>
-              <a:t>2.</a:t>
-            </a:r>
-            <a:r>
-              <a:rPr lang="zh-CN" altLang="en-US" b="1" dirty="0" smtClean="0">
-                <a:latin typeface="华文楷体" panose="02010600040101010101" pitchFamily="2" charset="-122"/>
-                <a:ea typeface="华文楷体" panose="02010600040101010101" pitchFamily="2" charset="-122"/>
-              </a:rPr>
-              <a:t>现在报名第五期，组团报名价格优惠</a:t>
-            </a:r>
-            <a:r>
-              <a:rPr lang="en-US" altLang="zh-CN" b="1" dirty="0" smtClean="0">
-                <a:latin typeface="华文楷体" panose="02010600040101010101" pitchFamily="2" charset="-122"/>
-                <a:ea typeface="华文楷体" panose="02010600040101010101" pitchFamily="2" charset="-122"/>
-              </a:rPr>
-              <a:t>1500</a:t>
-            </a:r>
-            <a:r>
-              <a:rPr lang="zh-CN" altLang="en-US" b="1" dirty="0" smtClean="0">
-                <a:latin typeface="华文楷体" panose="02010600040101010101" pitchFamily="2" charset="-122"/>
-                <a:ea typeface="华文楷体" panose="02010600040101010101" pitchFamily="2" charset="-122"/>
-              </a:rPr>
-              <a:t>元学费，且享受终生免费学习。</a:t>
-            </a:r>
-            <a:endParaRPr lang="en-US" altLang="zh-CN" b="1" dirty="0" smtClean="0">
-              <a:latin typeface="华文楷体" panose="02010600040101010101" pitchFamily="2" charset="-122"/>
-              <a:ea typeface="华文楷体" panose="02010600040101010101" pitchFamily="2" charset="-122"/>
-            </a:endParaRPr>
-          </a:p>
-          <a:p>
-            <a:endParaRPr lang="en-US" altLang="zh-CN" b="1" i="1" dirty="0">
-              <a:latin typeface="华文楷体" panose="02010600040101010101" pitchFamily="2" charset="-122"/>
-              <a:ea typeface="华文楷体" panose="02010600040101010101" pitchFamily="2" charset="-122"/>
-            </a:endParaRPr>
-          </a:p>
-          <a:p>
-            <a:r>
-              <a:rPr lang="zh-CN" altLang="en-US" b="1" dirty="0" smtClean="0">
-                <a:latin typeface="华文楷体" panose="02010600040101010101" pitchFamily="2" charset="-122"/>
-                <a:ea typeface="华文楷体" panose="02010600040101010101" pitchFamily="2" charset="-122"/>
-              </a:rPr>
-              <a:t>报名咨询</a:t>
-            </a:r>
-            <a:r>
-              <a:rPr lang="en-US" altLang="zh-CN" b="1" dirty="0" smtClean="0">
-                <a:latin typeface="华文楷体" panose="02010600040101010101" pitchFamily="2" charset="-122"/>
-                <a:ea typeface="华文楷体" panose="02010600040101010101" pitchFamily="2" charset="-122"/>
-              </a:rPr>
-              <a:t>QQ644064065 </a:t>
-            </a:r>
-            <a:r>
-              <a:rPr lang="zh-CN" altLang="en-US" b="1" dirty="0" smtClean="0">
-                <a:latin typeface="华文楷体" panose="02010600040101010101" pitchFamily="2" charset="-122"/>
-                <a:ea typeface="华文楷体" panose="02010600040101010101" pitchFamily="2" charset="-122"/>
-              </a:rPr>
-              <a:t>或者小薇老师</a:t>
-            </a:r>
-            <a:r>
-              <a:rPr lang="en-US" altLang="zh-CN" b="1" dirty="0" smtClean="0">
-                <a:latin typeface="华文楷体" panose="02010600040101010101" pitchFamily="2" charset="-122"/>
-                <a:ea typeface="华文楷体" panose="02010600040101010101" pitchFamily="2" charset="-122"/>
-              </a:rPr>
-              <a:t>QQ</a:t>
-            </a:r>
-            <a:r>
-              <a:rPr lang="en-US" altLang="zh-CN" b="1" dirty="0">
-                <a:latin typeface="华文楷体" panose="02010600040101010101" pitchFamily="2" charset="-122"/>
-                <a:ea typeface="华文楷体" panose="02010600040101010101" pitchFamily="2" charset="-122"/>
-              </a:rPr>
-              <a:t> </a:t>
-            </a:r>
-            <a:r>
-              <a:rPr lang="en-US" altLang="zh-CN" b="1" dirty="0" smtClean="0">
-                <a:latin typeface="华文楷体" panose="02010600040101010101" pitchFamily="2" charset="-122"/>
-                <a:ea typeface="华文楷体" panose="02010600040101010101" pitchFamily="2" charset="-122"/>
-              </a:rPr>
-              <a:t>483966038</a:t>
-            </a:r>
-            <a:endParaRPr lang="en-US" altLang="zh-CN" b="1" dirty="0" smtClean="0">
-              <a:latin typeface="华文楷体" panose="02010600040101010101" pitchFamily="2" charset="-122"/>
-              <a:ea typeface="华文楷体" panose="02010600040101010101" pitchFamily="2" charset="-122"/>
-            </a:endParaRPr>
-          </a:p>
-          <a:p>
-            <a:endParaRPr lang="en-US" altLang="zh-CN" b="1" dirty="0">
-              <a:latin typeface="华文楷体" panose="02010600040101010101" pitchFamily="2" charset="-122"/>
-              <a:ea typeface="华文楷体" panose="02010600040101010101" pitchFamily="2" charset="-122"/>
-            </a:endParaRPr>
-          </a:p>
-          <a:p>
-            <a:r>
-              <a:rPr lang="zh-CN" altLang="en-US" b="1" dirty="0" smtClean="0">
-                <a:latin typeface="华文楷体" panose="02010600040101010101" pitchFamily="2" charset="-122"/>
-                <a:ea typeface="华文楷体" panose="02010600040101010101" pitchFamily="2" charset="-122"/>
-              </a:rPr>
-              <a:t>同时：</a:t>
-            </a:r>
-            <a:r>
-              <a:rPr lang="en-US" altLang="zh-CN" b="1" dirty="0" smtClean="0">
-                <a:latin typeface="华文楷体" panose="02010600040101010101" pitchFamily="2" charset="-122"/>
-                <a:ea typeface="华文楷体" panose="02010600040101010101" pitchFamily="2" charset="-122"/>
-              </a:rPr>
-              <a:t>2019</a:t>
-            </a:r>
-            <a:r>
-              <a:rPr lang="zh-CN" altLang="en-US" b="1" dirty="0" smtClean="0">
-                <a:latin typeface="华文楷体" panose="02010600040101010101" pitchFamily="2" charset="-122"/>
-                <a:ea typeface="华文楷体" panose="02010600040101010101" pitchFamily="2" charset="-122"/>
-              </a:rPr>
-              <a:t>年</a:t>
-            </a:r>
-            <a:r>
-              <a:rPr lang="en-US" altLang="zh-CN" b="1" dirty="0" smtClean="0">
-                <a:latin typeface="华文楷体" panose="02010600040101010101" pitchFamily="2" charset="-122"/>
-                <a:ea typeface="华文楷体" panose="02010600040101010101" pitchFamily="2" charset="-122"/>
-              </a:rPr>
-              <a:t>5</a:t>
-            </a:r>
-            <a:r>
-              <a:rPr lang="zh-CN" altLang="en-US" b="1" dirty="0" smtClean="0">
-                <a:latin typeface="华文楷体" panose="02010600040101010101" pitchFamily="2" charset="-122"/>
-                <a:ea typeface="华文楷体" panose="02010600040101010101" pitchFamily="2" charset="-122"/>
-              </a:rPr>
-              <a:t>月</a:t>
-            </a:r>
-            <a:r>
-              <a:rPr lang="en-US" altLang="zh-CN" b="1" dirty="0" smtClean="0">
-                <a:latin typeface="华文楷体" panose="02010600040101010101" pitchFamily="2" charset="-122"/>
-                <a:ea typeface="华文楷体" panose="02010600040101010101" pitchFamily="2" charset="-122"/>
-              </a:rPr>
-              <a:t>5</a:t>
-            </a:r>
-            <a:r>
-              <a:rPr lang="zh-CN" altLang="en-US" b="1" dirty="0" smtClean="0">
-                <a:latin typeface="华文楷体" panose="02010600040101010101" pitchFamily="2" charset="-122"/>
-                <a:ea typeface="华文楷体" panose="02010600040101010101" pitchFamily="2" charset="-122"/>
-              </a:rPr>
-              <a:t>日之后 蚂蚁课堂不在对外出售永久会员 实现年费制度</a:t>
-            </a:r>
-            <a:r>
-              <a:rPr lang="en-US" altLang="zh-CN" b="1" dirty="0" smtClean="0">
-                <a:latin typeface="华文楷体" panose="02010600040101010101" pitchFamily="2" charset="-122"/>
-                <a:ea typeface="华文楷体" panose="02010600040101010101" pitchFamily="2" charset="-122"/>
-              </a:rPr>
-              <a:t>1000/</a:t>
-            </a:r>
-            <a:r>
-              <a:rPr lang="zh-CN" altLang="en-US" b="1" dirty="0" smtClean="0">
-                <a:latin typeface="华文楷体" panose="02010600040101010101" pitchFamily="2" charset="-122"/>
-                <a:ea typeface="华文楷体" panose="02010600040101010101" pitchFamily="2" charset="-122"/>
-              </a:rPr>
-              <a:t>年  </a:t>
-            </a:r>
-            <a:r>
-              <a:rPr lang="en-US" altLang="zh-CN" b="1" dirty="0" smtClean="0">
-                <a:latin typeface="华文楷体" panose="02010600040101010101" pitchFamily="2" charset="-122"/>
-                <a:ea typeface="华文楷体" panose="02010600040101010101" pitchFamily="2" charset="-122"/>
-              </a:rPr>
-              <a:t>1399</a:t>
-            </a:r>
-            <a:endParaRPr lang="zh-CN" altLang="en-US" b="1" dirty="0">
-              <a:latin typeface="华文楷体" panose="02010600040101010101" pitchFamily="2" charset="-122"/>
-              <a:ea typeface="华文楷体" panose="02010600040101010101" pitchFamily="2" charset="-122"/>
-            </a:endParaRPr>
-          </a:p>
         </p:txBody>
       </p:sp>
     </p:spTree>
+    <p:extLst>
+      <p:ext uri="{BB962C8B-B14F-4D97-AF65-F5344CB8AC3E}">
+        <p14:creationId xmlns:p14="http://schemas.microsoft.com/office/powerpoint/2010/main" val="917794549"/>
+      </p:ext>
+    </p:extLst>
   </p:cSld>
   <p:clrMapOvr>
     <a:masterClrMapping/>
@@ -3502,7 +3346,7 @@
       </p:sp>
       <p:pic>
         <p:nvPicPr>
-          <p:cNvPr id="4" name="内容占位符 3" descr="PPT模板8"/>
+          <p:cNvPr id="7" name="内容占位符 6" descr="PPT模板6"/>
           <p:cNvPicPr>
             <a:picLocks noGrp="1" noChangeAspect="1"/>
           </p:cNvPicPr>
@@ -3511,21 +3355,590 @@
           </p:nvPr>
         </p:nvPicPr>
         <p:blipFill>
-          <a:blip r:embed="rId1"/>
+          <a:blip r:embed="rId2"/>
           <a:stretch>
             <a:fillRect/>
           </a:stretch>
         </p:blipFill>
         <p:spPr>
           <a:xfrm>
-            <a:off x="-2540" y="-11430"/>
-            <a:ext cx="12223115" cy="6876415"/>
+            <a:off x="-12700" y="-7620"/>
+            <a:ext cx="12217400" cy="6873240"/>
           </a:xfrm>
           <a:prstGeom prst="rect">
             <a:avLst/>
           </a:prstGeom>
         </p:spPr>
       </p:pic>
+      <p:sp>
+        <p:nvSpPr>
+          <p:cNvPr id="8" name="文本框 7"/>
+          <p:cNvSpPr txBox="1"/>
+          <p:nvPr/>
+        </p:nvSpPr>
+        <p:spPr>
+          <a:xfrm>
+            <a:off x="222422" y="481330"/>
+            <a:ext cx="11195221" cy="523220"/>
+          </a:xfrm>
+          <a:prstGeom prst="rect">
+            <a:avLst/>
+          </a:prstGeom>
+          <a:noFill/>
+        </p:spPr>
+        <p:txBody>
+          <a:bodyPr wrap="square" rtlCol="0">
+            <a:spAutoFit/>
+          </a:bodyPr>
+          <a:lstStyle/>
+          <a:p>
+            <a:r>
+              <a:rPr lang="zh-CN" altLang="en-US" sz="2800" b="1" dirty="0" smtClean="0">
+                <a:solidFill>
+                  <a:schemeClr val="bg1"/>
+                </a:solidFill>
+                <a:latin typeface="微软雅黑" panose="020B0503020204020204" charset="-122"/>
+                <a:ea typeface="微软雅黑" panose="020B0503020204020204" charset="-122"/>
+                <a:sym typeface="+mn-ea"/>
+              </a:rPr>
+              <a:t>第五期计划</a:t>
+            </a:r>
+            <a:r>
+              <a:rPr lang="en-US" altLang="zh-CN" sz="2800" b="1" dirty="0" smtClean="0">
+                <a:solidFill>
+                  <a:schemeClr val="bg1"/>
+                </a:solidFill>
+                <a:latin typeface="微软雅黑" panose="020B0503020204020204" charset="-122"/>
+                <a:ea typeface="微软雅黑" panose="020B0503020204020204" charset="-122"/>
+                <a:sym typeface="+mn-ea"/>
+              </a:rPr>
+              <a:t>2019</a:t>
+            </a:r>
+            <a:r>
+              <a:rPr lang="zh-CN" altLang="en-US" sz="2800" b="1" dirty="0" smtClean="0">
+                <a:solidFill>
+                  <a:schemeClr val="bg1"/>
+                </a:solidFill>
+                <a:latin typeface="微软雅黑" panose="020B0503020204020204" charset="-122"/>
+                <a:ea typeface="微软雅黑" panose="020B0503020204020204" charset="-122"/>
+                <a:sym typeface="+mn-ea"/>
+              </a:rPr>
+              <a:t>年</a:t>
+            </a:r>
+            <a:r>
+              <a:rPr lang="en-US" altLang="zh-CN" sz="2800" b="1" dirty="0" smtClean="0">
+                <a:solidFill>
+                  <a:schemeClr val="bg1"/>
+                </a:solidFill>
+                <a:latin typeface="微软雅黑" panose="020B0503020204020204" charset="-122"/>
+                <a:ea typeface="微软雅黑" panose="020B0503020204020204" charset="-122"/>
+                <a:sym typeface="+mn-ea"/>
+              </a:rPr>
+              <a:t>5</a:t>
+            </a:r>
+            <a:r>
+              <a:rPr lang="zh-CN" altLang="en-US" sz="2800" b="1" dirty="0" smtClean="0">
+                <a:solidFill>
+                  <a:schemeClr val="bg1"/>
+                </a:solidFill>
+                <a:latin typeface="微软雅黑" panose="020B0503020204020204" charset="-122"/>
+                <a:ea typeface="微软雅黑" panose="020B0503020204020204" charset="-122"/>
+                <a:sym typeface="+mn-ea"/>
+              </a:rPr>
+              <a:t>月</a:t>
+            </a:r>
+            <a:r>
+              <a:rPr lang="en-US" altLang="zh-CN" sz="2800" b="1" dirty="0" smtClean="0">
+                <a:solidFill>
+                  <a:schemeClr val="bg1"/>
+                </a:solidFill>
+                <a:latin typeface="微软雅黑" panose="020B0503020204020204" charset="-122"/>
+                <a:ea typeface="微软雅黑" panose="020B0503020204020204" charset="-122"/>
+                <a:sym typeface="+mn-ea"/>
+              </a:rPr>
+              <a:t>5</a:t>
+            </a:r>
+            <a:r>
+              <a:rPr lang="zh-CN" altLang="en-US" sz="2800" b="1" dirty="0" smtClean="0">
+                <a:solidFill>
+                  <a:schemeClr val="bg1"/>
+                </a:solidFill>
+                <a:latin typeface="微软雅黑" panose="020B0503020204020204" charset="-122"/>
+                <a:ea typeface="微软雅黑" panose="020B0503020204020204" charset="-122"/>
+                <a:sym typeface="+mn-ea"/>
+              </a:rPr>
+              <a:t>日正式开班</a:t>
+            </a:r>
+          </a:p>
+        </p:txBody>
+      </p:sp>
+      <p:sp>
+        <p:nvSpPr>
+          <p:cNvPr id="9" name="文本框 8"/>
+          <p:cNvSpPr txBox="1"/>
+          <p:nvPr/>
+        </p:nvSpPr>
+        <p:spPr>
+          <a:xfrm>
+            <a:off x="4989198" y="2179638"/>
+            <a:ext cx="7327055" cy="369332"/>
+          </a:xfrm>
+          <a:prstGeom prst="rect">
+            <a:avLst/>
+          </a:prstGeom>
+          <a:noFill/>
+        </p:spPr>
+        <p:txBody>
+          <a:bodyPr wrap="square" rtlCol="0">
+            <a:spAutoFit/>
+          </a:bodyPr>
+          <a:lstStyle/>
+          <a:p>
+            <a:endParaRPr lang="zh-CN" altLang="en-US" b="1" dirty="0">
+              <a:solidFill>
+                <a:schemeClr val="tx1">
+                  <a:lumMod val="85000"/>
+                  <a:lumOff val="15000"/>
+                </a:schemeClr>
+              </a:solidFill>
+              <a:latin typeface="华文楷体" panose="02010600040101010101" pitchFamily="2" charset="-122"/>
+              <a:ea typeface="华文楷体" panose="02010600040101010101" pitchFamily="2" charset="-122"/>
+              <a:cs typeface="黑体" panose="02010609060101010101" charset="-122"/>
+              <a:sym typeface="+mn-ea"/>
+            </a:endParaRPr>
+          </a:p>
+        </p:txBody>
+      </p:sp>
+      <p:sp>
+        <p:nvSpPr>
+          <p:cNvPr id="10" name="文本框 9"/>
+          <p:cNvSpPr txBox="1"/>
+          <p:nvPr/>
+        </p:nvSpPr>
+        <p:spPr>
+          <a:xfrm>
+            <a:off x="-12700" y="2063433"/>
+            <a:ext cx="12380633" cy="3970318"/>
+          </a:xfrm>
+          <a:prstGeom prst="rect">
+            <a:avLst/>
+          </a:prstGeom>
+          <a:noFill/>
+        </p:spPr>
+        <p:txBody>
+          <a:bodyPr wrap="square" rtlCol="0">
+            <a:spAutoFit/>
+          </a:bodyPr>
+          <a:lstStyle/>
+          <a:p>
+            <a:endParaRPr lang="en-US" altLang="zh-CN" b="1" dirty="0" smtClean="0">
+              <a:latin typeface="华文楷体" panose="02010600040101010101" pitchFamily="2" charset="-122"/>
+              <a:ea typeface="华文楷体" panose="02010600040101010101" pitchFamily="2" charset="-122"/>
+            </a:endParaRPr>
+          </a:p>
+          <a:p>
+            <a:r>
+              <a:rPr lang="zh-CN" altLang="en-US" b="1" dirty="0">
+                <a:latin typeface="华文楷体" panose="02010600040101010101" pitchFamily="2" charset="-122"/>
+                <a:ea typeface="华文楷体" panose="02010600040101010101" pitchFamily="2" charset="-122"/>
+              </a:rPr>
+              <a:t>今晚公开课限时</a:t>
+            </a:r>
+            <a:r>
+              <a:rPr lang="en-US" altLang="zh-CN" b="1" dirty="0">
+                <a:latin typeface="华文楷体" panose="02010600040101010101" pitchFamily="2" charset="-122"/>
+                <a:ea typeface="华文楷体" panose="02010600040101010101" pitchFamily="2" charset="-122"/>
+              </a:rPr>
+              <a:t>【5</a:t>
+            </a:r>
+            <a:r>
+              <a:rPr lang="zh-CN" altLang="en-US" b="1" dirty="0">
+                <a:latin typeface="华文楷体" panose="02010600040101010101" pitchFamily="2" charset="-122"/>
+                <a:ea typeface="华文楷体" panose="02010600040101010101" pitchFamily="2" charset="-122"/>
+              </a:rPr>
+              <a:t>名</a:t>
+            </a:r>
+            <a:r>
+              <a:rPr lang="en-US" altLang="zh-CN" b="1" dirty="0">
+                <a:latin typeface="华文楷体" panose="02010600040101010101" pitchFamily="2" charset="-122"/>
+                <a:ea typeface="华文楷体" panose="02010600040101010101" pitchFamily="2" charset="-122"/>
+              </a:rPr>
+              <a:t>】</a:t>
+            </a:r>
+            <a:r>
+              <a:rPr lang="zh-CN" altLang="en-US" b="1" dirty="0">
+                <a:latin typeface="华文楷体" panose="02010600040101010101" pitchFamily="2" charset="-122"/>
+                <a:ea typeface="华文楷体" panose="02010600040101010101" pitchFamily="2" charset="-122"/>
+              </a:rPr>
+              <a:t>学员，在原优惠</a:t>
+            </a:r>
+            <a:r>
+              <a:rPr lang="en-US" altLang="zh-CN" b="1" dirty="0">
+                <a:latin typeface="华文楷体" panose="02010600040101010101" pitchFamily="2" charset="-122"/>
+                <a:ea typeface="华文楷体" panose="02010600040101010101" pitchFamily="2" charset="-122"/>
+              </a:rPr>
+              <a:t>1500</a:t>
+            </a:r>
+            <a:r>
+              <a:rPr lang="zh-CN" altLang="en-US" b="1" dirty="0">
+                <a:latin typeface="华文楷体" panose="02010600040101010101" pitchFamily="2" charset="-122"/>
+                <a:ea typeface="华文楷体" panose="02010600040101010101" pitchFamily="2" charset="-122"/>
+              </a:rPr>
+              <a:t>元的基础上，“补贴”</a:t>
+            </a:r>
+            <a:r>
+              <a:rPr lang="en-US" altLang="zh-CN" b="1" dirty="0">
+                <a:latin typeface="华文楷体" panose="02010600040101010101" pitchFamily="2" charset="-122"/>
+                <a:ea typeface="华文楷体" panose="02010600040101010101" pitchFamily="2" charset="-122"/>
+              </a:rPr>
+              <a:t>300</a:t>
+            </a:r>
+            <a:r>
+              <a:rPr lang="zh-CN" altLang="en-US" b="1" dirty="0">
+                <a:latin typeface="华文楷体" panose="02010600040101010101" pitchFamily="2" charset="-122"/>
+                <a:ea typeface="华文楷体" panose="02010600040101010101" pitchFamily="2" charset="-122"/>
+              </a:rPr>
+              <a:t>元，限额优惠</a:t>
+            </a:r>
+            <a:r>
+              <a:rPr lang="en-US" altLang="zh-CN" b="1" dirty="0">
+                <a:latin typeface="华文楷体" panose="02010600040101010101" pitchFamily="2" charset="-122"/>
+                <a:ea typeface="华文楷体" panose="02010600040101010101" pitchFamily="2" charset="-122"/>
+              </a:rPr>
+              <a:t>4399</a:t>
+            </a:r>
+            <a:r>
+              <a:rPr lang="zh-CN" altLang="en-US" b="1" dirty="0">
+                <a:latin typeface="华文楷体" panose="02010600040101010101" pitchFamily="2" charset="-122"/>
+                <a:ea typeface="华文楷体" panose="02010600040101010101" pitchFamily="2" charset="-122"/>
+              </a:rPr>
+              <a:t>报名。</a:t>
+            </a:r>
+          </a:p>
+          <a:p>
+            <a:r>
+              <a:rPr lang="zh-CN" altLang="en-US" b="1" dirty="0">
+                <a:latin typeface="华文楷体" panose="02010600040101010101" pitchFamily="2" charset="-122"/>
+                <a:ea typeface="华文楷体" panose="02010600040101010101" pitchFamily="2" charset="-122"/>
+              </a:rPr>
+              <a:t>一次报名，终身学习</a:t>
+            </a:r>
+          </a:p>
+          <a:p>
+            <a:r>
+              <a:rPr lang="zh-CN" altLang="en-US" b="1" dirty="0">
+                <a:latin typeface="华文楷体" panose="02010600040101010101" pitchFamily="2" charset="-122"/>
+                <a:ea typeface="华文楷体" panose="02010600040101010101" pitchFamily="2" charset="-122"/>
+              </a:rPr>
+              <a:t>送蚂蚁课堂</a:t>
+            </a:r>
+            <a:r>
+              <a:rPr lang="en-US" altLang="zh-CN" b="1" dirty="0" err="1">
+                <a:latin typeface="华文楷体" panose="02010600040101010101" pitchFamily="2" charset="-122"/>
+                <a:ea typeface="华文楷体" panose="02010600040101010101" pitchFamily="2" charset="-122"/>
+              </a:rPr>
+              <a:t>vip</a:t>
+            </a:r>
+            <a:endParaRPr lang="en-US" altLang="zh-CN" b="1" dirty="0">
+              <a:latin typeface="华文楷体" panose="02010600040101010101" pitchFamily="2" charset="-122"/>
+              <a:ea typeface="华文楷体" panose="02010600040101010101" pitchFamily="2" charset="-122"/>
+            </a:endParaRPr>
+          </a:p>
+          <a:p>
+            <a:endParaRPr lang="en-US" altLang="zh-CN" b="1" dirty="0">
+              <a:latin typeface="华文楷体" panose="02010600040101010101" pitchFamily="2" charset="-122"/>
+              <a:ea typeface="华文楷体" panose="02010600040101010101" pitchFamily="2" charset="-122"/>
+            </a:endParaRPr>
+          </a:p>
+          <a:p>
+            <a:endParaRPr lang="en-US" altLang="zh-CN" b="1" dirty="0" smtClean="0">
+              <a:latin typeface="华文楷体" panose="02010600040101010101" pitchFamily="2" charset="-122"/>
+              <a:ea typeface="华文楷体" panose="02010600040101010101" pitchFamily="2" charset="-122"/>
+            </a:endParaRPr>
+          </a:p>
+          <a:p>
+            <a:r>
+              <a:rPr lang="en-US" altLang="zh-CN" b="1" dirty="0" smtClean="0">
+                <a:latin typeface="华文楷体" panose="02010600040101010101" pitchFamily="2" charset="-122"/>
+                <a:ea typeface="华文楷体" panose="02010600040101010101" pitchFamily="2" charset="-122"/>
+              </a:rPr>
+              <a:t>1.</a:t>
+            </a:r>
+            <a:r>
+              <a:rPr lang="zh-CN" altLang="en-US" b="1" dirty="0" smtClean="0">
+                <a:latin typeface="华文楷体" panose="02010600040101010101" pitchFamily="2" charset="-122"/>
+                <a:ea typeface="华文楷体" panose="02010600040101010101" pitchFamily="2" charset="-122"/>
+              </a:rPr>
+              <a:t>第五期计划</a:t>
+            </a:r>
+            <a:r>
+              <a:rPr lang="en-US" altLang="zh-CN" b="1" dirty="0" smtClean="0">
+                <a:latin typeface="华文楷体" panose="02010600040101010101" pitchFamily="2" charset="-122"/>
+                <a:ea typeface="华文楷体" panose="02010600040101010101" pitchFamily="2" charset="-122"/>
+              </a:rPr>
+              <a:t>2019</a:t>
+            </a:r>
+            <a:r>
+              <a:rPr lang="zh-CN" altLang="en-US" b="1" dirty="0" smtClean="0">
+                <a:latin typeface="华文楷体" panose="02010600040101010101" pitchFamily="2" charset="-122"/>
+                <a:ea typeface="华文楷体" panose="02010600040101010101" pitchFamily="2" charset="-122"/>
+              </a:rPr>
+              <a:t>年</a:t>
+            </a:r>
+            <a:r>
+              <a:rPr lang="en-US" altLang="zh-CN" b="1" dirty="0" smtClean="0">
+                <a:latin typeface="华文楷体" panose="02010600040101010101" pitchFamily="2" charset="-122"/>
+                <a:ea typeface="华文楷体" panose="02010600040101010101" pitchFamily="2" charset="-122"/>
+              </a:rPr>
+              <a:t>5</a:t>
+            </a:r>
+            <a:r>
+              <a:rPr lang="zh-CN" altLang="en-US" b="1" dirty="0" smtClean="0">
+                <a:latin typeface="华文楷体" panose="02010600040101010101" pitchFamily="2" charset="-122"/>
+                <a:ea typeface="华文楷体" panose="02010600040101010101" pitchFamily="2" charset="-122"/>
+              </a:rPr>
+              <a:t>月</a:t>
+            </a:r>
+            <a:r>
+              <a:rPr lang="en-US" altLang="zh-CN" b="1" dirty="0" smtClean="0">
+                <a:latin typeface="华文楷体" panose="02010600040101010101" pitchFamily="2" charset="-122"/>
+                <a:ea typeface="华文楷体" panose="02010600040101010101" pitchFamily="2" charset="-122"/>
+              </a:rPr>
+              <a:t>5</a:t>
+            </a:r>
+            <a:r>
+              <a:rPr lang="zh-CN" altLang="en-US" b="1" dirty="0" smtClean="0">
+                <a:latin typeface="华文楷体" panose="02010600040101010101" pitchFamily="2" charset="-122"/>
+                <a:ea typeface="华文楷体" panose="02010600040101010101" pitchFamily="2" charset="-122"/>
+              </a:rPr>
+              <a:t>日正式开班，完全是从基础开始到分布式解决方案、</a:t>
+            </a:r>
+            <a:r>
+              <a:rPr lang="en-US" altLang="zh-CN" b="1" dirty="0" err="1" smtClean="0">
+                <a:latin typeface="华文楷体" panose="02010600040101010101" pitchFamily="2" charset="-122"/>
+                <a:ea typeface="华文楷体" panose="02010600040101010101" pitchFamily="2" charset="-122"/>
+              </a:rPr>
+              <a:t>vue+springcloud</a:t>
+            </a:r>
+            <a:r>
+              <a:rPr lang="zh-CN" altLang="en-US" b="1" dirty="0" smtClean="0">
+                <a:latin typeface="华文楷体" panose="02010600040101010101" pitchFamily="2" charset="-122"/>
+                <a:ea typeface="华文楷体" panose="02010600040101010101" pitchFamily="2" charset="-122"/>
+              </a:rPr>
+              <a:t>构建微服务电商项目。</a:t>
+            </a:r>
+            <a:endParaRPr lang="en-US" altLang="zh-CN" b="1" dirty="0" smtClean="0">
+              <a:latin typeface="华文楷体" panose="02010600040101010101" pitchFamily="2" charset="-122"/>
+              <a:ea typeface="华文楷体" panose="02010600040101010101" pitchFamily="2" charset="-122"/>
+            </a:endParaRPr>
+          </a:p>
+          <a:p>
+            <a:r>
+              <a:rPr lang="zh-CN" altLang="en-US" b="1" dirty="0" smtClean="0">
+                <a:latin typeface="华文楷体" panose="02010600040101010101" pitchFamily="2" charset="-122"/>
+                <a:ea typeface="华文楷体" panose="02010600040101010101" pitchFamily="2" charset="-122"/>
+              </a:rPr>
+              <a:t>新增数据结构与算法课程、大数据课程等，课程体系更加完善、更加底层，目标实现第五期培训后，月薪</a:t>
+            </a:r>
+            <a:r>
+              <a:rPr lang="en-US" altLang="zh-CN" b="1" dirty="0" smtClean="0">
+                <a:solidFill>
+                  <a:srgbClr val="FF0000"/>
+                </a:solidFill>
+                <a:latin typeface="华文楷体" panose="02010600040101010101" pitchFamily="2" charset="-122"/>
+                <a:ea typeface="华文楷体" panose="02010600040101010101" pitchFamily="2" charset="-122"/>
+              </a:rPr>
+              <a:t>3</a:t>
+            </a:r>
+            <a:r>
+              <a:rPr lang="zh-CN" altLang="en-US" b="1" dirty="0" smtClean="0">
+                <a:latin typeface="华文楷体" panose="02010600040101010101" pitchFamily="2" charset="-122"/>
+                <a:ea typeface="华文楷体" panose="02010600040101010101" pitchFamily="2" charset="-122"/>
+              </a:rPr>
+              <a:t>万</a:t>
+            </a:r>
+            <a:r>
+              <a:rPr lang="en-US" altLang="zh-CN" b="1" dirty="0" smtClean="0">
+                <a:latin typeface="华文楷体" panose="02010600040101010101" pitchFamily="2" charset="-122"/>
+                <a:ea typeface="华文楷体" panose="02010600040101010101" pitchFamily="2" charset="-122"/>
+              </a:rPr>
+              <a:t>+</a:t>
+            </a:r>
+          </a:p>
+          <a:p>
+            <a:endParaRPr lang="en-US" altLang="zh-CN" b="1" dirty="0" smtClean="0">
+              <a:latin typeface="华文楷体" panose="02010600040101010101" pitchFamily="2" charset="-122"/>
+              <a:ea typeface="华文楷体" panose="02010600040101010101" pitchFamily="2" charset="-122"/>
+            </a:endParaRPr>
+          </a:p>
+          <a:p>
+            <a:r>
+              <a:rPr lang="en-US" altLang="zh-CN" b="1" dirty="0" smtClean="0">
+                <a:latin typeface="华文楷体" panose="02010600040101010101" pitchFamily="2" charset="-122"/>
+                <a:ea typeface="华文楷体" panose="02010600040101010101" pitchFamily="2" charset="-122"/>
+              </a:rPr>
+              <a:t>2.</a:t>
+            </a:r>
+            <a:r>
+              <a:rPr lang="zh-CN" altLang="en-US" b="1" dirty="0" smtClean="0">
+                <a:latin typeface="华文楷体" panose="02010600040101010101" pitchFamily="2" charset="-122"/>
+                <a:ea typeface="华文楷体" panose="02010600040101010101" pitchFamily="2" charset="-122"/>
+              </a:rPr>
+              <a:t>现在报名第五期，组团报名价格优惠</a:t>
+            </a:r>
+            <a:r>
+              <a:rPr lang="en-US" altLang="zh-CN" b="1" dirty="0" smtClean="0">
+                <a:latin typeface="华文楷体" panose="02010600040101010101" pitchFamily="2" charset="-122"/>
+                <a:ea typeface="华文楷体" panose="02010600040101010101" pitchFamily="2" charset="-122"/>
+              </a:rPr>
+              <a:t>1500</a:t>
+            </a:r>
+            <a:r>
+              <a:rPr lang="zh-CN" altLang="en-US" b="1" dirty="0" smtClean="0">
+                <a:latin typeface="华文楷体" panose="02010600040101010101" pitchFamily="2" charset="-122"/>
+                <a:ea typeface="华文楷体" panose="02010600040101010101" pitchFamily="2" charset="-122"/>
+              </a:rPr>
+              <a:t>元学费，且享受终生免费学习。</a:t>
+            </a:r>
+            <a:endParaRPr lang="en-US" altLang="zh-CN" b="1" dirty="0" smtClean="0">
+              <a:latin typeface="华文楷体" panose="02010600040101010101" pitchFamily="2" charset="-122"/>
+              <a:ea typeface="华文楷体" panose="02010600040101010101" pitchFamily="2" charset="-122"/>
+            </a:endParaRPr>
+          </a:p>
+          <a:p>
+            <a:endParaRPr lang="en-US" altLang="zh-CN" b="1" i="1" dirty="0">
+              <a:latin typeface="华文楷体" panose="02010600040101010101" pitchFamily="2" charset="-122"/>
+              <a:ea typeface="华文楷体" panose="02010600040101010101" pitchFamily="2" charset="-122"/>
+            </a:endParaRPr>
+          </a:p>
+          <a:p>
+            <a:r>
+              <a:rPr lang="zh-CN" altLang="en-US" b="1" dirty="0" smtClean="0">
+                <a:latin typeface="华文楷体" panose="02010600040101010101" pitchFamily="2" charset="-122"/>
+                <a:ea typeface="华文楷体" panose="02010600040101010101" pitchFamily="2" charset="-122"/>
+              </a:rPr>
+              <a:t>报名咨询</a:t>
+            </a:r>
+            <a:r>
+              <a:rPr lang="en-US" altLang="zh-CN" b="1" dirty="0" smtClean="0">
+                <a:latin typeface="华文楷体" panose="02010600040101010101" pitchFamily="2" charset="-122"/>
+                <a:ea typeface="华文楷体" panose="02010600040101010101" pitchFamily="2" charset="-122"/>
+              </a:rPr>
+              <a:t>QQ644064065 </a:t>
+            </a:r>
+            <a:r>
+              <a:rPr lang="zh-CN" altLang="en-US" b="1" dirty="0" smtClean="0">
+                <a:latin typeface="华文楷体" panose="02010600040101010101" pitchFamily="2" charset="-122"/>
+                <a:ea typeface="华文楷体" panose="02010600040101010101" pitchFamily="2" charset="-122"/>
+              </a:rPr>
+              <a:t>或者小薇老师</a:t>
+            </a:r>
+            <a:r>
+              <a:rPr lang="en-US" altLang="zh-CN" b="1" dirty="0" smtClean="0">
+                <a:latin typeface="华文楷体" panose="02010600040101010101" pitchFamily="2" charset="-122"/>
+                <a:ea typeface="华文楷体" panose="02010600040101010101" pitchFamily="2" charset="-122"/>
+              </a:rPr>
+              <a:t>QQ</a:t>
+            </a:r>
+            <a:r>
+              <a:rPr lang="en-US" altLang="zh-CN" b="1" dirty="0">
+                <a:latin typeface="华文楷体" panose="02010600040101010101" pitchFamily="2" charset="-122"/>
+                <a:ea typeface="华文楷体" panose="02010600040101010101" pitchFamily="2" charset="-122"/>
+              </a:rPr>
+              <a:t> </a:t>
+            </a:r>
+            <a:r>
+              <a:rPr lang="en-US" altLang="zh-CN" b="1" dirty="0" smtClean="0">
+                <a:latin typeface="华文楷体" panose="02010600040101010101" pitchFamily="2" charset="-122"/>
+                <a:ea typeface="华文楷体" panose="02010600040101010101" pitchFamily="2" charset="-122"/>
+              </a:rPr>
+              <a:t>483966038</a:t>
+            </a:r>
+          </a:p>
+          <a:p>
+            <a:endParaRPr lang="en-US" altLang="zh-CN" b="1" dirty="0">
+              <a:latin typeface="华文楷体" panose="02010600040101010101" pitchFamily="2" charset="-122"/>
+              <a:ea typeface="华文楷体" panose="02010600040101010101" pitchFamily="2" charset="-122"/>
+            </a:endParaRPr>
+          </a:p>
+          <a:p>
+            <a:r>
+              <a:rPr lang="zh-CN" altLang="en-US" b="1" dirty="0" smtClean="0">
+                <a:latin typeface="华文楷体" panose="02010600040101010101" pitchFamily="2" charset="-122"/>
+                <a:ea typeface="华文楷体" panose="02010600040101010101" pitchFamily="2" charset="-122"/>
+              </a:rPr>
+              <a:t>同时：</a:t>
+            </a:r>
+            <a:r>
+              <a:rPr lang="en-US" altLang="zh-CN" b="1" dirty="0" smtClean="0">
+                <a:latin typeface="华文楷体" panose="02010600040101010101" pitchFamily="2" charset="-122"/>
+                <a:ea typeface="华文楷体" panose="02010600040101010101" pitchFamily="2" charset="-122"/>
+              </a:rPr>
+              <a:t>2019</a:t>
+            </a:r>
+            <a:r>
+              <a:rPr lang="zh-CN" altLang="en-US" b="1" dirty="0" smtClean="0">
+                <a:latin typeface="华文楷体" panose="02010600040101010101" pitchFamily="2" charset="-122"/>
+                <a:ea typeface="华文楷体" panose="02010600040101010101" pitchFamily="2" charset="-122"/>
+              </a:rPr>
+              <a:t>年</a:t>
+            </a:r>
+            <a:r>
+              <a:rPr lang="en-US" altLang="zh-CN" b="1" dirty="0" smtClean="0">
+                <a:latin typeface="华文楷体" panose="02010600040101010101" pitchFamily="2" charset="-122"/>
+                <a:ea typeface="华文楷体" panose="02010600040101010101" pitchFamily="2" charset="-122"/>
+              </a:rPr>
+              <a:t>5</a:t>
+            </a:r>
+            <a:r>
+              <a:rPr lang="zh-CN" altLang="en-US" b="1" dirty="0" smtClean="0">
+                <a:latin typeface="华文楷体" panose="02010600040101010101" pitchFamily="2" charset="-122"/>
+                <a:ea typeface="华文楷体" panose="02010600040101010101" pitchFamily="2" charset="-122"/>
+              </a:rPr>
+              <a:t>月</a:t>
+            </a:r>
+            <a:r>
+              <a:rPr lang="en-US" altLang="zh-CN" b="1" dirty="0" smtClean="0">
+                <a:latin typeface="华文楷体" panose="02010600040101010101" pitchFamily="2" charset="-122"/>
+                <a:ea typeface="华文楷体" panose="02010600040101010101" pitchFamily="2" charset="-122"/>
+              </a:rPr>
+              <a:t>5</a:t>
+            </a:r>
+            <a:r>
+              <a:rPr lang="zh-CN" altLang="en-US" b="1" dirty="0" smtClean="0">
+                <a:latin typeface="华文楷体" panose="02010600040101010101" pitchFamily="2" charset="-122"/>
+                <a:ea typeface="华文楷体" panose="02010600040101010101" pitchFamily="2" charset="-122"/>
+              </a:rPr>
+              <a:t>日之后 蚂蚁课堂不在对外出售永久会员 实现年费制度</a:t>
+            </a:r>
+            <a:r>
+              <a:rPr lang="en-US" altLang="zh-CN" b="1" dirty="0" smtClean="0">
+                <a:latin typeface="华文楷体" panose="02010600040101010101" pitchFamily="2" charset="-122"/>
+                <a:ea typeface="华文楷体" panose="02010600040101010101" pitchFamily="2" charset="-122"/>
+              </a:rPr>
+              <a:t>1000/</a:t>
+            </a:r>
+            <a:r>
+              <a:rPr lang="zh-CN" altLang="en-US" b="1" dirty="0" smtClean="0">
+                <a:latin typeface="华文楷体" panose="02010600040101010101" pitchFamily="2" charset="-122"/>
+                <a:ea typeface="华文楷体" panose="02010600040101010101" pitchFamily="2" charset="-122"/>
+              </a:rPr>
+              <a:t>年  </a:t>
+            </a:r>
+            <a:r>
+              <a:rPr lang="en-US" altLang="zh-CN" b="1" dirty="0" smtClean="0">
+                <a:latin typeface="华文楷体" panose="02010600040101010101" pitchFamily="2" charset="-122"/>
+                <a:ea typeface="华文楷体" panose="02010600040101010101" pitchFamily="2" charset="-122"/>
+              </a:rPr>
+              <a:t>1399</a:t>
+            </a:r>
+            <a:endParaRPr lang="zh-CN" altLang="en-US" b="1" dirty="0">
+              <a:latin typeface="华文楷体" panose="02010600040101010101" pitchFamily="2" charset="-122"/>
+              <a:ea typeface="华文楷体" panose="02010600040101010101" pitchFamily="2" charset="-122"/>
+            </a:endParaRPr>
+          </a:p>
+        </p:txBody>
+      </p:sp>
     </p:spTree>
   </p:cSld>
   <p:clrMapOvr>
@@ -3572,7 +3985,7 @@
       </p:sp>
       <p:pic>
         <p:nvPicPr>
-          <p:cNvPr id="5" name="内容占位符 4" descr="PPT模板9.1"/>
+          <p:cNvPr id="4" name="内容占位符 3" descr="PPT模板8"/>
           <p:cNvPicPr>
             <a:picLocks noGrp="1" noChangeAspect="1"/>
           </p:cNvPicPr>
@@ -3581,15 +3994,15 @@
           </p:nvPr>
         </p:nvPicPr>
         <p:blipFill>
-          <a:blip r:embed="rId1"/>
+          <a:blip r:embed="rId2"/>
           <a:stretch>
             <a:fillRect/>
           </a:stretch>
         </p:blipFill>
         <p:spPr>
           <a:xfrm>
-            <a:off x="-22860" y="-7620"/>
-            <a:ext cx="12218670" cy="6873875"/>
+            <a:off x="-2540" y="-11430"/>
+            <a:ext cx="12223115" cy="6876415"/>
           </a:xfrm>
           <a:prstGeom prst="rect">
             <a:avLst/>
@@ -3642,6 +4055,76 @@
       </p:sp>
       <p:pic>
         <p:nvPicPr>
+          <p:cNvPr id="5" name="内容占位符 4" descr="PPT模板9.1"/>
+          <p:cNvPicPr>
+            <a:picLocks noGrp="1" noChangeAspect="1"/>
+          </p:cNvPicPr>
+          <p:nvPr>
+            <p:ph idx="1"/>
+          </p:nvPr>
+        </p:nvPicPr>
+        <p:blipFill>
+          <a:blip r:embed="rId2"/>
+          <a:stretch>
+            <a:fillRect/>
+          </a:stretch>
+        </p:blipFill>
+        <p:spPr>
+          <a:xfrm>
+            <a:off x="-22860" y="-7620"/>
+            <a:ext cx="12218670" cy="6873875"/>
+          </a:xfrm>
+          <a:prstGeom prst="rect">
+            <a:avLst/>
+          </a:prstGeom>
+        </p:spPr>
+      </p:pic>
+    </p:spTree>
+  </p:cSld>
+  <p:clrMapOvr>
+    <a:masterClrMapping/>
+  </p:clrMapOvr>
+</p:sld>
+</file>
+
+<file path=ppt/slides/slide14.xml><?xml version="1.0" encoding="utf-8"?>
+<p:sld xmlns:a="http://schemas.openxmlformats.org/drawingml/2006/main" xmlns:r="http://schemas.openxmlformats.org/officeDocument/2006/relationships" xmlns:p="http://schemas.openxmlformats.org/presentationml/2006/main">
+  <p:cSld>
+    <p:spTree>
+      <p:nvGrpSpPr>
+        <p:cNvPr id="1" name=""/>
+        <p:cNvGrpSpPr/>
+        <p:nvPr/>
+      </p:nvGrpSpPr>
+      <p:grpSpPr>
+        <a:xfrm>
+          <a:off x="0" y="0"/>
+          <a:ext cx="0" cy="0"/>
+          <a:chOff x="0" y="0"/>
+          <a:chExt cx="0" cy="0"/>
+        </a:xfrm>
+      </p:grpSpPr>
+      <p:sp>
+        <p:nvSpPr>
+          <p:cNvPr id="2" name="标题 1"/>
+          <p:cNvSpPr>
+            <a:spLocks noGrp="1"/>
+          </p:cNvSpPr>
+          <p:nvPr>
+            <p:ph type="title"/>
+          </p:nvPr>
+        </p:nvSpPr>
+        <p:spPr/>
+        <p:txBody>
+          <a:bodyPr/>
+          <a:lstStyle/>
+          <a:p>
+            <a:endParaRPr lang="zh-CN" altLang="en-US"/>
+          </a:p>
+        </p:txBody>
+      </p:sp>
+      <p:pic>
+        <p:nvPicPr>
           <p:cNvPr id="4" name="内容占位符 3" descr="PPT模板10.1"/>
           <p:cNvPicPr>
             <a:picLocks noGrp="1" noChangeAspect="1"/>
@@ -3651,7 +4134,7 @@
           </p:nvPr>
         </p:nvPicPr>
         <p:blipFill>
-          <a:blip r:embed="rId1"/>
+          <a:blip r:embed="rId2"/>
           <a:stretch>
             <a:fillRect/>
           </a:stretch>
@@ -3698,13 +4181,6 @@
               </a:rPr>
               <a:t>QQ：483966038</a:t>
             </a:r>
-            <a:endParaRPr sz="3600" b="1" dirty="0">
-              <a:solidFill>
-                <a:schemeClr val="accent2"/>
-              </a:solidFill>
-              <a:latin typeface="微软雅黑" panose="020B0503020204020204" charset="-122"/>
-              <a:ea typeface="微软雅黑" panose="020B0503020204020204" charset="-122"/>
-            </a:endParaRPr>
           </a:p>
         </p:txBody>
       </p:sp>
@@ -3763,7 +4239,7 @@
           </p:nvPr>
         </p:nvPicPr>
         <p:blipFill>
-          <a:blip r:embed="rId1"/>
+          <a:blip r:embed="rId2"/>
           <a:stretch>
             <a:fillRect/>
           </a:stretch>
@@ -3836,7 +4312,7 @@
           <p:nvPr/>
         </p:nvPicPr>
         <p:blipFill>
-          <a:blip r:embed="rId1"/>
+          <a:blip r:embed="rId2"/>
           <a:stretch>
             <a:fillRect/>
           </a:stretch>
@@ -3926,13 +4402,6 @@
               </a:rPr>
               <a:t>1</a:t>
             </a:r>
-            <a:endParaRPr lang="en-US" altLang="zh-CN" sz="2000" b="1" dirty="0">
-              <a:solidFill>
-                <a:schemeClr val="bg1"/>
-              </a:solidFill>
-              <a:latin typeface="微软雅黑" panose="020B0503020204020204" charset="-122"/>
-              <a:ea typeface="微软雅黑" panose="020B0503020204020204" charset="-122"/>
-            </a:endParaRPr>
           </a:p>
         </p:txBody>
       </p:sp>
@@ -3971,22 +4440,7 @@
                 <a:cs typeface="黑体" panose="02010609060101010101" charset="-122"/>
                 <a:sym typeface="+mn-ea"/>
               </a:rPr>
-              <a:t>秒</a:t>
-            </a:r>
-            <a:r>
-              <a:rPr lang="zh-CN" altLang="en-US" b="1" dirty="0" smtClean="0">
-                <a:solidFill>
-                  <a:schemeClr val="tx1">
-                    <a:lumMod val="85000"/>
-                    <a:lumOff val="15000"/>
-                  </a:schemeClr>
-                </a:solidFill>
-                <a:latin typeface="微软雅黑" panose="020B0503020204020204" charset="-122"/>
-                <a:ea typeface="微软雅黑" panose="020B0503020204020204" charset="-122"/>
-                <a:cs typeface="黑体" panose="02010609060101010101" charset="-122"/>
-                <a:sym typeface="+mn-ea"/>
-              </a:rPr>
-              <a:t>杀抢购数据库设计</a:t>
+              <a:t>秒杀核心抢购核心的命脉是？</a:t>
             </a:r>
             <a:endParaRPr lang="zh-CN" altLang="en-US" b="1" dirty="0">
               <a:solidFill>
@@ -4078,13 +4532,6 @@
               </a:rPr>
               <a:t>2</a:t>
             </a:r>
-            <a:endParaRPr lang="en-US" altLang="zh-CN" sz="2000" b="1" dirty="0">
-              <a:solidFill>
-                <a:schemeClr val="bg1"/>
-              </a:solidFill>
-              <a:latin typeface="微软雅黑" panose="020B0503020204020204" charset="-122"/>
-              <a:ea typeface="微软雅黑" panose="020B0503020204020204" charset="-122"/>
-            </a:endParaRPr>
           </a:p>
         </p:txBody>
       </p:sp>
@@ -4111,7 +4558,7 @@
           <a:lstStyle/>
           <a:p>
             <a:r>
-              <a:rPr lang="zh-CN" altLang="en-US" b="1" dirty="0" smtClean="0">
+              <a:rPr lang="zh-CN" altLang="en-US" b="1" dirty="0">
                 <a:solidFill>
                   <a:schemeClr val="tx1">
                     <a:lumMod val="85000"/>
@@ -4123,7 +4570,37 @@
                 <a:cs typeface="黑体" panose="02010609060101010101" charset="-122"/>
                 <a:sym typeface="+mn-ea"/>
               </a:rPr>
-              <a:t>基于数据库乐观锁实现防止库存超卖问题</a:t>
+              <a:t>秒杀抢购修改库存如何减少数据库</a:t>
+            </a:r>
+            <a:r>
+              <a:rPr lang="en-US" altLang="zh-CN" b="1" dirty="0">
+                <a:solidFill>
+                  <a:schemeClr val="tx1">
+                    <a:lumMod val="85000"/>
+                    <a:lumOff val="15000"/>
+                  </a:schemeClr>
+                </a:solidFill>
+                <a:latin typeface="微软雅黑" panose="020B0503020204020204" charset="-122"/>
+                <a:ea typeface="微软雅黑" panose="020B0503020204020204" charset="-122"/>
+                <a:cs typeface="黑体" panose="02010609060101010101" charset="-122"/>
+                <a:sym typeface="+mn-ea"/>
+              </a:rPr>
+              <a:t>IO</a:t>
+            </a:r>
+            <a:r>
+              <a:rPr lang="zh-CN" altLang="en-US" b="1" dirty="0">
+                <a:solidFill>
+                  <a:schemeClr val="tx1">
+                    <a:lumMod val="85000"/>
+                    <a:lumOff val="15000"/>
+                  </a:schemeClr>
+                </a:solidFill>
+                <a:latin typeface="微软雅黑" panose="020B0503020204020204" charset="-122"/>
+                <a:ea typeface="微软雅黑" panose="020B0503020204020204" charset="-122"/>
+                <a:cs typeface="黑体" panose="02010609060101010101" charset="-122"/>
+                <a:sym typeface="+mn-ea"/>
+              </a:rPr>
+              <a:t>操作</a:t>
             </a:r>
             <a:endParaRPr lang="zh-CN" altLang="en-US" b="1" dirty="0">
               <a:solidFill>
@@ -4215,13 +4692,6 @@
               </a:rPr>
               <a:t>3</a:t>
             </a:r>
-            <a:endParaRPr lang="en-US" altLang="zh-CN" sz="2000" b="1" dirty="0">
-              <a:solidFill>
-                <a:schemeClr val="bg1"/>
-              </a:solidFill>
-              <a:latin typeface="微软雅黑" panose="020B0503020204020204" charset="-122"/>
-              <a:ea typeface="微软雅黑" panose="020B0503020204020204" charset="-122"/>
-            </a:endParaRPr>
           </a:p>
         </p:txBody>
       </p:sp>
@@ -4257,13 +4727,6 @@
               </a:rPr>
               <a:t>4</a:t>
             </a:r>
-            <a:endParaRPr lang="en-US" altLang="zh-CN" sz="2000" b="1">
-              <a:solidFill>
-                <a:schemeClr val="bg1"/>
-              </a:solidFill>
-              <a:latin typeface="微软雅黑" panose="020B0503020204020204" charset="-122"/>
-              <a:ea typeface="微软雅黑" panose="020B0503020204020204" charset="-122"/>
-            </a:endParaRPr>
           </a:p>
         </p:txBody>
       </p:sp>
@@ -4302,23 +4765,45 @@
                 <a:cs typeface="黑体" panose="02010609060101010101" charset="-122"/>
                 <a:sym typeface="+mn-ea"/>
               </a:rPr>
-              <a:t>基于</a:t>
-            </a:r>
-            <a:r>
-              <a:rPr lang="en-US" altLang="zh-CN" b="1" dirty="0" err="1">
-                <a:solidFill>
-                  <a:schemeClr val="tx1">
-                    <a:lumMod val="85000"/>
-                    <a:lumOff val="15000"/>
-                  </a:schemeClr>
-                </a:solidFill>
-                <a:latin typeface="微软雅黑" panose="020B0503020204020204" charset="-122"/>
-                <a:ea typeface="微软雅黑" panose="020B0503020204020204" charset="-122"/>
-                <a:cs typeface="黑体" panose="02010609060101010101" charset="-122"/>
-                <a:sym typeface="+mn-ea"/>
-              </a:rPr>
-              <a:t>Redis</a:t>
-            </a:r>
+              <a:t>基于库存令牌桶方式实现秒杀抢购</a:t>
+            </a:r>
+            <a:endParaRPr lang="zh-CN" altLang="en-US" b="1" dirty="0">
+              <a:solidFill>
+                <a:schemeClr val="tx1">
+                  <a:lumMod val="85000"/>
+                  <a:lumOff val="15000"/>
+                </a:schemeClr>
+              </a:solidFill>
+              <a:latin typeface="微软雅黑" panose="020B0503020204020204" charset="-122"/>
+              <a:ea typeface="微软雅黑" panose="020B0503020204020204" charset="-122"/>
+              <a:cs typeface="黑体" panose="02010609060101010101" charset="-122"/>
+              <a:sym typeface="+mn-ea"/>
+            </a:endParaRPr>
+          </a:p>
+        </p:txBody>
+      </p:sp>
+      <p:sp>
+        <p:nvSpPr>
+          <p:cNvPr id="16" name="文本框 15"/>
+          <p:cNvSpPr txBox="1"/>
+          <p:nvPr/>
+        </p:nvSpPr>
+        <p:spPr>
+          <a:xfrm>
+            <a:off x="1667597" y="4584415"/>
+            <a:ext cx="4749800" cy="368300"/>
+          </a:xfrm>
+          <a:prstGeom prst="rect">
+            <a:avLst/>
+          </a:prstGeom>
+          <a:noFill/>
+        </p:spPr>
+        <p:txBody>
+          <a:bodyPr wrap="square" rtlCol="0">
+            <a:spAutoFit/>
+          </a:bodyPr>
+          <a:lstStyle/>
+          <a:p>
             <a:r>
               <a:rPr lang="zh-CN" altLang="en-US" b="1" dirty="0">
                 <a:solidFill>
@@ -4332,47 +4817,10 @@
                 <a:cs typeface="黑体" panose="02010609060101010101" charset="-122"/>
                 <a:sym typeface="+mn-ea"/>
               </a:rPr>
-              <a:t>实现用户行为实现频率限制</a:t>
-            </a:r>
-            <a:endParaRPr lang="zh-CN" altLang="en-US" b="1" dirty="0">
-              <a:solidFill>
-                <a:schemeClr val="tx1">
-                  <a:lumMod val="85000"/>
-                  <a:lumOff val="15000"/>
-                </a:schemeClr>
-              </a:solidFill>
-              <a:latin typeface="微软雅黑" panose="020B0503020204020204" charset="-122"/>
-              <a:ea typeface="微软雅黑" panose="020B0503020204020204" charset="-122"/>
-              <a:cs typeface="黑体" panose="02010609060101010101" charset="-122"/>
-              <a:sym typeface="+mn-ea"/>
-            </a:endParaRPr>
-          </a:p>
-        </p:txBody>
-      </p:sp>
-      <p:sp>
-        <p:nvSpPr>
-          <p:cNvPr id="16" name="文本框 15"/>
-          <p:cNvSpPr txBox="1"/>
-          <p:nvPr/>
-        </p:nvSpPr>
-        <p:spPr>
-          <a:xfrm>
-            <a:off x="1667597" y="4584415"/>
-            <a:ext cx="4749800" cy="368300"/>
-          </a:xfrm>
-          <a:prstGeom prst="rect">
-            <a:avLst/>
-          </a:prstGeom>
-          <a:noFill/>
-        </p:spPr>
-        <p:txBody>
-          <a:bodyPr wrap="square" rtlCol="0">
-            <a:spAutoFit/>
-          </a:bodyPr>
-          <a:lstStyle/>
-          <a:p>
-            <a:r>
-              <a:rPr lang="zh-CN" altLang="en-US" b="1" dirty="0" smtClean="0">
+              <a:t>基于</a:t>
+            </a:r>
+            <a:r>
+              <a:rPr lang="en-US" altLang="zh-CN" b="1" dirty="0">
                 <a:solidFill>
                   <a:schemeClr val="tx1">
                     <a:lumMod val="85000"/>
@@ -4384,10 +4832,10 @@
                 <a:cs typeface="黑体" panose="02010609060101010101" charset="-122"/>
                 <a:sym typeface="+mn-ea"/>
               </a:rPr>
-              <a:t>基于令牌</a:t>
-            </a:r>
-            <a:r>
-              <a:rPr lang="en-US" altLang="zh-CN" b="1" dirty="0" smtClean="0">
+              <a:t>MQ+</a:t>
+            </a:r>
+            <a:r>
+              <a:rPr lang="zh-CN" altLang="en-US" b="1" dirty="0">
                 <a:solidFill>
                   <a:schemeClr val="tx1">
                     <a:lumMod val="85000"/>
@@ -4399,22 +4847,7 @@
                 <a:cs typeface="黑体" panose="02010609060101010101" charset="-122"/>
                 <a:sym typeface="+mn-ea"/>
               </a:rPr>
-              <a:t>+MQ</a:t>
-            </a:r>
-            <a:r>
-              <a:rPr lang="zh-CN" altLang="en-US" b="1" dirty="0" smtClean="0">
-                <a:solidFill>
-                  <a:schemeClr val="tx1">
-                    <a:lumMod val="85000"/>
-                    <a:lumOff val="15000"/>
-                  </a:schemeClr>
-                </a:solidFill>
-                <a:latin typeface="微软雅黑" panose="020B0503020204020204" charset="-122"/>
-                <a:ea typeface="微软雅黑" panose="020B0503020204020204" charset="-122"/>
-                <a:cs typeface="黑体" panose="02010609060101010101" charset="-122"/>
-                <a:sym typeface="+mn-ea"/>
-              </a:rPr>
-              <a:t>形式实现异步修改库存</a:t>
+              <a:t>库存令牌桶实现异步秒杀抢购</a:t>
             </a:r>
             <a:endParaRPr lang="zh-CN" altLang="en-US" b="1" dirty="0">
               <a:solidFill>
@@ -4571,7 +5004,7 @@
           </p:nvPr>
         </p:nvPicPr>
         <p:blipFill>
-          <a:blip r:embed="rId1"/>
+          <a:blip r:embed="rId2"/>
           <a:stretch>
             <a:fillRect/>
           </a:stretch>
@@ -4781,7 +5214,7 @@
               <a:rPr lang="en-US" altLang="zh-CN" dirty="0">
                 <a:latin typeface="华文楷体" panose="02010600040101010101" pitchFamily="2" charset="-122"/>
                 <a:ea typeface="华文楷体" panose="02010600040101010101" pitchFamily="2" charset="-122"/>
-                <a:hlinkClick r:id="rId2"/>
+                <a:hlinkClick r:id="rId3"/>
               </a:rPr>
               <a:t>http://s.bl.com/?bl_ad=644_-_366041_-_</a:t>
             </a:r>
@@ -4789,7 +5222,7 @@
               <a:rPr lang="en-US" altLang="zh-CN" dirty="0" smtClean="0">
                 <a:latin typeface="华文楷体" panose="02010600040101010101" pitchFamily="2" charset="-122"/>
                 <a:ea typeface="华文楷体" panose="02010600040101010101" pitchFamily="2" charset="-122"/>
-                <a:hlinkClick r:id="rId2"/>
+                <a:hlinkClick r:id="rId3"/>
               </a:rPr>
               <a:t>1</a:t>
             </a:r>
@@ -4867,7 +5300,7 @@
           <p:nvPr/>
         </p:nvPicPr>
         <p:blipFill>
-          <a:blip r:embed="rId3">
+          <a:blip r:embed="rId4">
             <a:extLst>
               <a:ext uri="{28A0092B-C50C-407E-A947-70E740481C1C}">
                 <a14:useLocalDpi xmlns:a14="http://schemas.microsoft.com/office/drawing/2010/main" val="0"/>
@@ -4943,7 +5376,7 @@
           </p:nvPr>
         </p:nvPicPr>
         <p:blipFill>
-          <a:blip r:embed="rId1"/>
+          <a:blip r:embed="rId2"/>
           <a:stretch>
             <a:fillRect/>
           </a:stretch>
@@ -5089,10 +5522,6 @@
               </a:rPr>
               <a:t>、一元秒杀</a:t>
             </a:r>
-            <a:endParaRPr lang="zh-CN" altLang="en-US" sz="2000" b="1" dirty="0">
-              <a:latin typeface="华文楷体" panose="02010600040101010101" pitchFamily="2" charset="-122"/>
-              <a:ea typeface="华文楷体" panose="02010600040101010101" pitchFamily="2" charset="-122"/>
-            </a:endParaRPr>
           </a:p>
           <a:p>
             <a:r>
@@ -5163,10 +5592,6 @@
               </a:rPr>
               <a:t>、低价限量秒杀</a:t>
             </a:r>
-            <a:endParaRPr lang="zh-CN" altLang="en-US" sz="2000" b="1" dirty="0">
-              <a:latin typeface="华文楷体" panose="02010600040101010101" pitchFamily="2" charset="-122"/>
-              <a:ea typeface="华文楷体" panose="02010600040101010101" pitchFamily="2" charset="-122"/>
-            </a:endParaRPr>
           </a:p>
           <a:p>
             <a:r>
@@ -5203,10 +5628,6 @@
               </a:rPr>
               <a:t>12306</a:t>
             </a:r>
-            <a:endParaRPr lang="en-US" altLang="zh-CN" dirty="0" smtClean="0">
-              <a:latin typeface="华文楷体" panose="02010600040101010101" pitchFamily="2" charset="-122"/>
-              <a:ea typeface="华文楷体" panose="02010600040101010101" pitchFamily="2" charset="-122"/>
-            </a:endParaRPr>
           </a:p>
           <a:p>
             <a:endParaRPr lang="zh-CN" altLang="en-US" dirty="0">
@@ -5229,10 +5650,6 @@
               </a:rPr>
               <a:t>、低价限时限量秒杀</a:t>
             </a:r>
-            <a:endParaRPr lang="zh-CN" altLang="en-US" sz="2000" b="1" dirty="0">
-              <a:latin typeface="华文楷体" panose="02010600040101010101" pitchFamily="2" charset="-122"/>
-              <a:ea typeface="华文楷体" panose="02010600040101010101" pitchFamily="2" charset="-122"/>
-            </a:endParaRPr>
           </a:p>
           <a:p>
             <a:r>
@@ -5304,7 +5721,7 @@
           </p:nvPr>
         </p:nvPicPr>
         <p:blipFill>
-          <a:blip r:embed="rId1"/>
+          <a:blip r:embed="rId2"/>
           <a:stretch>
             <a:fillRect/>
           </a:stretch>
@@ -5748,7 +6165,7 @@
           </p:nvPr>
         </p:nvPicPr>
         <p:blipFill>
-          <a:blip r:embed="rId1"/>
+          <a:blip r:embed="rId2"/>
           <a:stretch>
             <a:fillRect/>
           </a:stretch>
@@ -6324,7 +6741,7 @@
           </p:nvPr>
         </p:nvPicPr>
         <p:blipFill>
-          <a:blip r:embed="rId1"/>
+          <a:blip r:embed="rId2"/>
           <a:stretch>
             <a:fillRect/>
           </a:stretch>
@@ -6712,10 +7129,6 @@
               </a:rPr>
               <a:t> </a:t>
             </a:r>
-            <a:endParaRPr lang="en-US" altLang="zh-CN" b="1" dirty="0" smtClean="0">
-              <a:latin typeface="华文楷体" panose="02010600040101010101" pitchFamily="2" charset="-122"/>
-              <a:ea typeface="华文楷体" panose="02010600040101010101" pitchFamily="2" charset="-122"/>
-            </a:endParaRPr>
           </a:p>
           <a:p>
             <a:endParaRPr lang="en-US" altLang="zh-CN" b="1" dirty="0">
@@ -6780,7 +7193,7 @@
           </p:nvPr>
         </p:nvPicPr>
         <p:blipFill>
-          <a:blip r:embed="rId1"/>
+          <a:blip r:embed="rId2"/>
           <a:stretch>
             <a:fillRect/>
           </a:stretch>
@@ -7321,10 +7734,6 @@
               </a:rPr>
               <a:t>杀活动只是网站营销的一个附加活动，这个活动具有时间短，并发访问量大的特点，如果和网站原有应用部署在一起，必然会对现有业务造成冲击，稍有不慎可能导致整个网站瘫痪。</a:t>
             </a:r>
-            <a:endParaRPr lang="zh-CN" altLang="en-US" b="1" dirty="0">
-              <a:latin typeface="华文楷体" panose="02010600040101010101" pitchFamily="2" charset="-122"/>
-              <a:ea typeface="华文楷体" panose="02010600040101010101" pitchFamily="2" charset="-122"/>
-            </a:endParaRPr>
           </a:p>
           <a:p>
             <a:r>
@@ -7354,13 +7763,6 @@
               </a:rPr>
               <a:t>方案：将秒杀系统独立部署，甚至使用独立域名，使其与网站完全隔离。</a:t>
             </a:r>
-            <a:endParaRPr lang="zh-CN" altLang="en-US" b="1" dirty="0">
-              <a:solidFill>
-                <a:srgbClr val="FF0000"/>
-              </a:solidFill>
-              <a:latin typeface="华文楷体" panose="02010600040101010101" pitchFamily="2" charset="-122"/>
-              <a:ea typeface="华文楷体" panose="02010600040101010101" pitchFamily="2" charset="-122"/>
-            </a:endParaRPr>
           </a:p>
         </p:txBody>
       </p:sp>
@@ -7623,6 +8025,8 @@
       </a:bgFillStyleLst>
     </a:fmtScheme>
   </a:themeElements>
+  <a:objectDefaults/>
+  <a:extraClrSchemeLst/>
   <a:extLst>
     <a:ext uri="{05A4C25C-085E-4340-85A3-A5531E510DB2}">
       <thm15:themeFamily xmlns:thm15="http://schemas.microsoft.com/office/thememl/2012/main" name="Office Theme" id="{62F939B6-93AF-4DB8-9C6B-D6C7DFDC589F}" vid="{4A3C46E8-61CC-4603-A589-7422A47A8E4A}"/>
